--- a/课程PPT/（03）H5 Canvas图像操作.pptx
+++ b/课程PPT/（03）H5 Canvas图像操作.pptx
@@ -12,9 +12,11 @@
     <p:sldId id="1153" r:id="rId5"/>
     <p:sldId id="1154" r:id="rId6"/>
     <p:sldId id="1155" r:id="rId7"/>
-    <p:sldId id="1156" r:id="rId8"/>
-    <p:sldId id="1158" r:id="rId9"/>
-    <p:sldId id="1157" r:id="rId10"/>
+    <p:sldId id="1160" r:id="rId8"/>
+    <p:sldId id="1157" r:id="rId9"/>
+    <p:sldId id="1161" r:id="rId10"/>
+    <p:sldId id="1158" r:id="rId11"/>
+    <p:sldId id="1162" r:id="rId12"/>
   </p:sldIdLst>
   <p:sldSz cx="12192000" cy="6858000"/>
   <p:notesSz cx="6797675" cy="9928225"/>
@@ -2588,7 +2590,7 @@
                   <a:schemeClr val="accent3"/>
                 </a:solidFill>
               </a:rPr>
-              <a:t>图像绘制</a:t>
+              <a:t>图像基础</a:t>
             </a:r>
             <a:endParaRPr lang="zh-CN" altLang="en-US" sz="2800" b="1">
               <a:solidFill>
@@ -2623,14 +2625,18 @@
             </a:r>
             <a:r>
               <a:rPr lang="zh-CN" altLang="en-US" sz="2800" b="1">
+                <a:solidFill>
+                  <a:schemeClr val="tx1"/>
+                </a:solidFill>
                 <a:sym typeface="+mn-ea"/>
               </a:rPr>
-              <a:t>像素级操作</a:t>
+              <a:t>图像案例（离屏、交互）</a:t>
             </a:r>
             <a:endParaRPr lang="zh-CN" altLang="en-US" sz="2800" b="1">
               <a:solidFill>
                 <a:schemeClr val="tx1"/>
               </a:solidFill>
+              <a:sym typeface="+mn-ea"/>
             </a:endParaRPr>
           </a:p>
           <a:p>
@@ -2658,7 +2664,21 @@
               </a:rPr>
               <a:t>Canvas </a:t>
             </a:r>
-            <a:endParaRPr lang="en-US" altLang="zh-CN" sz="2800" b="1"/>
+            <a:r>
+              <a:rPr lang="zh-CN" altLang="en-US" sz="2800" b="1">
+                <a:solidFill>
+                  <a:schemeClr val="tx1"/>
+                </a:solidFill>
+                <a:sym typeface="+mn-ea"/>
+              </a:rPr>
+              <a:t>像素级操作</a:t>
+            </a:r>
+            <a:endParaRPr lang="zh-CN" altLang="en-US" sz="2800" b="1">
+              <a:solidFill>
+                <a:schemeClr val="tx1"/>
+              </a:solidFill>
+              <a:sym typeface="+mn-ea"/>
+            </a:endParaRPr>
           </a:p>
         </p:txBody>
       </p:sp>
@@ -3002,58 +3022,6 @@
       </p:sp>
       <p:sp>
         <p:nvSpPr>
-          <p:cNvPr id="5" name="文本框 4"/>
-          <p:cNvSpPr txBox="1"/>
-          <p:nvPr/>
-        </p:nvSpPr>
-        <p:spPr>
-          <a:xfrm>
-            <a:off x="6143625" y="6075045"/>
-            <a:ext cx="4224020" cy="429895"/>
-          </a:xfrm>
-          <a:prstGeom prst="rect">
-            <a:avLst/>
-          </a:prstGeom>
-          <a:noFill/>
-        </p:spPr>
-        <p:txBody>
-          <a:bodyPr wrap="square" rtlCol="0">
-            <a:spAutoFit/>
-          </a:bodyPr>
-          <a:p>
-            <a:pPr algn="l"/>
-            <a:r>
-              <a:rPr lang="zh-CN" sz="2200">
-                <a:solidFill>
-                  <a:srgbClr val="FF0000"/>
-                </a:solidFill>
-                <a:latin typeface="+mn-ea"/>
-                <a:ea typeface="+mn-ea"/>
-              </a:rPr>
-              <a:t>参见实例：</a:t>
-            </a:r>
-            <a:r>
-              <a:rPr lang="en-US" altLang="zh-CN" sz="2200">
-                <a:solidFill>
-                  <a:srgbClr val="FF0000"/>
-                </a:solidFill>
-                <a:latin typeface="+mn-ea"/>
-                <a:ea typeface="+mn-ea"/>
-              </a:rPr>
-              <a:t>.html</a:t>
-            </a:r>
-            <a:endParaRPr lang="en-US" altLang="zh-CN" sz="2200">
-              <a:solidFill>
-                <a:srgbClr val="FF0000"/>
-              </a:solidFill>
-              <a:latin typeface="+mn-ea"/>
-              <a:ea typeface="+mn-ea"/>
-            </a:endParaRPr>
-          </a:p>
-        </p:txBody>
-      </p:sp>
-      <p:sp>
-        <p:nvSpPr>
           <p:cNvPr id="2" name="内容占位符 1"/>
           <p:cNvSpPr>
             <a:spLocks noGrp="1"/>
@@ -3077,7 +3045,7 @@
             </a:r>
             <a:r>
               <a:rPr kumimoji="0" lang="zh-CN" altLang="en-US" dirty="0"/>
-              <a:t>图像绘制</a:t>
+              <a:t>图像基础</a:t>
             </a:r>
             <a:endParaRPr kumimoji="0" lang="zh-CN" altLang="en-US" dirty="0"/>
           </a:p>
@@ -3107,6 +3075,58 @@
           </a:prstGeom>
         </p:spPr>
       </p:pic>
+      <p:sp>
+        <p:nvSpPr>
+          <p:cNvPr id="4" name="文本框 3"/>
+          <p:cNvSpPr txBox="1"/>
+          <p:nvPr/>
+        </p:nvSpPr>
+        <p:spPr>
+          <a:xfrm>
+            <a:off x="6143625" y="6075045"/>
+            <a:ext cx="4224020" cy="429895"/>
+          </a:xfrm>
+          <a:prstGeom prst="rect">
+            <a:avLst/>
+          </a:prstGeom>
+          <a:noFill/>
+        </p:spPr>
+        <p:txBody>
+          <a:bodyPr wrap="square" rtlCol="0">
+            <a:spAutoFit/>
+          </a:bodyPr>
+          <a:p>
+            <a:pPr algn="l"/>
+            <a:r>
+              <a:rPr lang="zh-CN" sz="2200">
+                <a:solidFill>
+                  <a:srgbClr val="FF0000"/>
+                </a:solidFill>
+                <a:latin typeface="+mn-ea"/>
+                <a:ea typeface="+mn-ea"/>
+              </a:rPr>
+              <a:t>参见实例：</a:t>
+            </a:r>
+            <a:r>
+              <a:rPr lang="en-US" altLang="zh-CN" sz="2200">
+                <a:solidFill>
+                  <a:srgbClr val="FF0000"/>
+                </a:solidFill>
+                <a:latin typeface="+mn-ea"/>
+                <a:ea typeface="+mn-ea"/>
+              </a:rPr>
+              <a:t>LS03_01.html</a:t>
+            </a:r>
+            <a:endParaRPr lang="en-US" altLang="zh-CN" sz="2200">
+              <a:solidFill>
+                <a:srgbClr val="FF0000"/>
+              </a:solidFill>
+              <a:latin typeface="+mn-ea"/>
+              <a:ea typeface="+mn-ea"/>
+            </a:endParaRPr>
+          </a:p>
+        </p:txBody>
+      </p:sp>
     </p:spTree>
   </p:cSld>
   <p:clrMapOvr>
@@ -3224,8 +3244,8 @@
         </p:nvSpPr>
         <p:spPr>
           <a:xfrm>
-            <a:off x="6143625" y="6075045"/>
-            <a:ext cx="4224020" cy="429895"/>
+            <a:off x="5379085" y="6075045"/>
+            <a:ext cx="5676900" cy="429895"/>
           </a:xfrm>
           <a:prstGeom prst="rect">
             <a:avLst/>
@@ -3256,9 +3276,19 @@
                 <a:latin typeface="+mn-ea"/>
                 <a:ea typeface="+mn-ea"/>
               </a:rPr>
-              <a:t>LS03_01.html</a:t>
-            </a:r>
-            <a:endParaRPr lang="en-US" altLang="zh-CN" sz="2200">
+              <a:t>LS03_02.html</a:t>
+            </a:r>
+            <a:r>
+              <a:rPr lang="zh-CN" altLang="en-US" sz="2200">
+                <a:solidFill>
+                  <a:srgbClr val="FF0000"/>
+                </a:solidFill>
+                <a:latin typeface="+mn-ea"/>
+                <a:ea typeface="+mn-ea"/>
+              </a:rPr>
+              <a:t>（缩放实例）</a:t>
+            </a:r>
+            <a:endParaRPr lang="zh-CN" altLang="en-US" sz="2200">
               <a:solidFill>
                 <a:srgbClr val="FF0000"/>
               </a:solidFill>
@@ -3293,7 +3323,7 @@
             </a:r>
             <a:r>
               <a:rPr kumimoji="0" lang="zh-CN" altLang="en-US" dirty="0"/>
-              <a:t>图像绘制</a:t>
+              <a:t>图像基础</a:t>
             </a:r>
             <a:endParaRPr kumimoji="0" lang="zh-CN" altLang="en-US" dirty="0"/>
           </a:p>
@@ -3701,7 +3731,7 @@
             </a:lvl9pPr>
           </a:lstStyle>
           <a:p>
-            <a:pPr>
+            <a:pPr algn="l">
               <a:lnSpc>
                 <a:spcPct val="150000"/>
               </a:lnSpc>
@@ -3731,7 +3761,7 @@
                   <a:schemeClr val="tx1"/>
                 </a:solidFill>
               </a:rPr>
-              <a:t>图像绘制</a:t>
+              <a:t>图像基础</a:t>
             </a:r>
             <a:endParaRPr lang="zh-CN" altLang="en-US" sz="2800" b="1">
               <a:solidFill>
@@ -3740,7 +3770,7 @@
             </a:endParaRPr>
           </a:p>
           <a:p>
-            <a:pPr>
+            <a:pPr algn="l">
               <a:lnSpc>
                 <a:spcPct val="150000"/>
               </a:lnSpc>
@@ -3769,17 +3799,19 @@
                 <a:solidFill>
                   <a:schemeClr val="accent3"/>
                 </a:solidFill>
-              </a:rPr>
-              <a:t>像素级操作</a:t>
+                <a:sym typeface="+mn-ea"/>
+              </a:rPr>
+              <a:t>图像案例（离屏、交互）</a:t>
             </a:r>
             <a:endParaRPr lang="zh-CN" altLang="en-US" sz="2800" b="1">
               <a:solidFill>
                 <a:schemeClr val="accent3"/>
               </a:solidFill>
+              <a:sym typeface="+mn-ea"/>
             </a:endParaRPr>
           </a:p>
           <a:p>
-            <a:pPr>
+            <a:pPr algn="l">
               <a:lnSpc>
                 <a:spcPct val="150000"/>
               </a:lnSpc>
@@ -3801,9 +3833,23 @@
                   <a:schemeClr val="tx1"/>
                 </a:solidFill>
               </a:rPr>
-              <a:t>Canvas</a:t>
-            </a:r>
-            <a:endParaRPr lang="en-US" altLang="zh-CN" sz="2800" b="1"/>
+              <a:t>Canvas </a:t>
+            </a:r>
+            <a:r>
+              <a:rPr lang="zh-CN" altLang="en-US" sz="2800" b="1">
+                <a:solidFill>
+                  <a:schemeClr val="tx1"/>
+                </a:solidFill>
+                <a:sym typeface="+mn-ea"/>
+              </a:rPr>
+              <a:t>像素级操作</a:t>
+            </a:r>
+            <a:endParaRPr lang="zh-CN" altLang="en-US" sz="2800" b="1">
+              <a:solidFill>
+                <a:schemeClr val="tx1"/>
+              </a:solidFill>
+              <a:sym typeface="+mn-ea"/>
+            </a:endParaRPr>
           </a:p>
         </p:txBody>
       </p:sp>
@@ -3879,379 +3925,6 @@
               <a:t>context</a:t>
             </a:r>
             <a:r>
-              <a:rPr lang="zh-CN" altLang="en-US" sz="3200" dirty="0">
-                <a:sym typeface="+mn-ea"/>
-              </a:rPr>
-              <a:t>像素级操作相关</a:t>
-            </a:r>
-            <a:r>
-              <a:rPr lang="zh-CN" altLang="en-US" sz="3200" noProof="1">
-                <a:solidFill>
-                  <a:schemeClr val="tx1"/>
-                </a:solidFill>
-                <a:latin typeface="微软雅黑" panose="020B0503020204020204" pitchFamily="34" charset="-122"/>
-                <a:ea typeface="微软雅黑" panose="020B0503020204020204" pitchFamily="34" charset="-122"/>
-                <a:sym typeface="+mn-ea"/>
-              </a:rPr>
-              <a:t>的方法</a:t>
-            </a:r>
-            <a:br>
-              <a:rPr lang="zh-CN" altLang="en-US" sz="2800" noProof="1">
-                <a:solidFill>
-                  <a:schemeClr val="tx1"/>
-                </a:solidFill>
-                <a:latin typeface="微软雅黑" panose="020B0503020204020204" pitchFamily="34" charset="-122"/>
-                <a:ea typeface="微软雅黑" panose="020B0503020204020204" pitchFamily="34" charset="-122"/>
-                <a:sym typeface="+mn-ea"/>
-              </a:rPr>
-            </a:br>
-            <a:r>
-              <a:rPr lang="en-US" altLang="zh-CN" sz="2100" noProof="1">
-                <a:solidFill>
-                  <a:schemeClr val="tx1"/>
-                </a:solidFill>
-                <a:latin typeface="微软雅黑" panose="020B0503020204020204" pitchFamily="34" charset="-122"/>
-                <a:ea typeface="微软雅黑" panose="020B0503020204020204" pitchFamily="34" charset="-122"/>
-                <a:sym typeface="+mn-ea"/>
-              </a:rPr>
-              <a:t>- createImageData(sw,sh)</a:t>
-            </a:r>
-            <a:br>
-              <a:rPr lang="en-US" altLang="zh-CN" sz="2100" noProof="1">
-                <a:solidFill>
-                  <a:schemeClr val="tx1"/>
-                </a:solidFill>
-                <a:latin typeface="微软雅黑" panose="020B0503020204020204" pitchFamily="34" charset="-122"/>
-                <a:ea typeface="微软雅黑" panose="020B0503020204020204" pitchFamily="34" charset="-122"/>
-                <a:sym typeface="+mn-ea"/>
-              </a:rPr>
-            </a:br>
-            <a:r>
-              <a:rPr lang="en-US" altLang="zh-CN" sz="2100" noProof="1">
-                <a:solidFill>
-                  <a:schemeClr val="tx1"/>
-                </a:solidFill>
-                <a:latin typeface="微软雅黑" panose="020B0503020204020204" pitchFamily="34" charset="-122"/>
-                <a:ea typeface="微软雅黑" panose="020B0503020204020204" pitchFamily="34" charset="-122"/>
-                <a:sym typeface="+mn-ea"/>
-              </a:rPr>
-              <a:t>- </a:t>
-            </a:r>
-            <a:r>
-              <a:rPr lang="en-US" altLang="zh-CN" sz="2100">
-                <a:solidFill>
-                  <a:schemeClr val="tx1"/>
-                </a:solidFill>
-                <a:sym typeface="+mn-ea"/>
-              </a:rPr>
-              <a:t>createImageData(imageData)</a:t>
-            </a:r>
-            <a:br>
-              <a:rPr lang="en-US" altLang="zh-CN" sz="2100" noProof="1">
-                <a:solidFill>
-                  <a:schemeClr val="tx1"/>
-                </a:solidFill>
-                <a:latin typeface="微软雅黑" panose="020B0503020204020204" pitchFamily="34" charset="-122"/>
-                <a:ea typeface="微软雅黑" panose="020B0503020204020204" pitchFamily="34" charset="-122"/>
-                <a:sym typeface="+mn-ea"/>
-              </a:rPr>
-            </a:br>
-            <a:r>
-              <a:rPr lang="en-US" altLang="zh-CN" sz="2100" noProof="1">
-                <a:solidFill>
-                  <a:schemeClr val="tx1"/>
-                </a:solidFill>
-                <a:latin typeface="微软雅黑" panose="020B0503020204020204" pitchFamily="34" charset="-122"/>
-                <a:ea typeface="微软雅黑" panose="020B0503020204020204" pitchFamily="34" charset="-122"/>
-                <a:sym typeface="+mn-ea"/>
-              </a:rPr>
-              <a:t>- getImageData(sx,sy,sw,sh)</a:t>
-            </a:r>
-            <a:br>
-              <a:rPr lang="en-US" altLang="zh-CN" sz="2100" noProof="1">
-                <a:solidFill>
-                  <a:schemeClr val="tx1"/>
-                </a:solidFill>
-                <a:latin typeface="微软雅黑" panose="020B0503020204020204" pitchFamily="34" charset="-122"/>
-                <a:ea typeface="微软雅黑" panose="020B0503020204020204" pitchFamily="34" charset="-122"/>
-                <a:sym typeface="+mn-ea"/>
-              </a:rPr>
-            </a:br>
-            <a:r>
-              <a:rPr lang="en-US" altLang="zh-CN" sz="2100" noProof="1">
-                <a:solidFill>
-                  <a:schemeClr val="tx1"/>
-                </a:solidFill>
-                <a:latin typeface="微软雅黑" panose="020B0503020204020204" pitchFamily="34" charset="-122"/>
-                <a:ea typeface="微软雅黑" panose="020B0503020204020204" pitchFamily="34" charset="-122"/>
-                <a:sym typeface="+mn-ea"/>
-              </a:rPr>
-              <a:t>- putImageData( )</a:t>
-            </a:r>
-            <a:endParaRPr lang="en-US" altLang="zh-CN" sz="2100" noProof="1">
-              <a:solidFill>
-                <a:schemeClr val="tx1"/>
-              </a:solidFill>
-              <a:latin typeface="微软雅黑" panose="020B0503020204020204" pitchFamily="34" charset="-122"/>
-              <a:ea typeface="微软雅黑" panose="020B0503020204020204" pitchFamily="34" charset="-122"/>
-              <a:sym typeface="+mn-ea"/>
-            </a:endParaRPr>
-          </a:p>
-          <a:p>
-            <a:pPr>
-              <a:lnSpc>
-                <a:spcPct val="150000"/>
-              </a:lnSpc>
-              <a:spcBef>
-                <a:spcPts val="1000"/>
-              </a:spcBef>
-            </a:pPr>
-            <a:r>
-              <a:rPr lang="en-US" altLang="zh-CN" sz="3200" noProof="1">
-                <a:solidFill>
-                  <a:srgbClr val="FF0000"/>
-                </a:solidFill>
-                <a:latin typeface="微软雅黑" panose="020B0503020204020204" pitchFamily="34" charset="-122"/>
-                <a:ea typeface="微软雅黑" panose="020B0503020204020204" pitchFamily="34" charset="-122"/>
-                <a:sym typeface="+mn-ea"/>
-              </a:rPr>
-              <a:t>image</a:t>
-            </a:r>
-            <a:br>
-              <a:rPr lang="zh-CN" altLang="en-US" sz="3200" noProof="1">
-                <a:solidFill>
-                  <a:srgbClr val="FF0000"/>
-                </a:solidFill>
-                <a:latin typeface="微软雅黑" panose="020B0503020204020204" pitchFamily="34" charset="-122"/>
-                <a:ea typeface="微软雅黑" panose="020B0503020204020204" pitchFamily="34" charset="-122"/>
-                <a:sym typeface="+mn-ea"/>
-              </a:rPr>
-            </a:br>
-            <a:r>
-              <a:rPr lang="en-US" altLang="zh-CN" sz="2000" noProof="1">
-                <a:solidFill>
-                  <a:srgbClr val="FF0000"/>
-                </a:solidFill>
-                <a:latin typeface="微软雅黑" panose="020B0503020204020204" pitchFamily="34" charset="-122"/>
-                <a:ea typeface="微软雅黑" panose="020B0503020204020204" pitchFamily="34" charset="-122"/>
-                <a:sym typeface="+mn-ea"/>
-              </a:rPr>
-              <a:t>- HTMLImag</a:t>
-            </a:r>
-            <a:br>
-              <a:rPr lang="en-US" altLang="zh-CN" sz="2000" noProof="1">
-                <a:solidFill>
-                  <a:srgbClr val="FF0000"/>
-                </a:solidFill>
-                <a:latin typeface="微软雅黑" panose="020B0503020204020204" pitchFamily="34" charset="-122"/>
-                <a:ea typeface="微软雅黑" panose="020B0503020204020204" pitchFamily="34" charset="-122"/>
-                <a:sym typeface="+mn-ea"/>
-              </a:rPr>
-            </a:br>
-            <a:r>
-              <a:rPr lang="en-US" altLang="zh-CN" sz="2000" noProof="1">
-                <a:solidFill>
-                  <a:srgbClr val="FF0000"/>
-                </a:solidFill>
-                <a:latin typeface="微软雅黑" panose="020B0503020204020204" pitchFamily="34" charset="-122"/>
-                <a:ea typeface="微软雅黑" panose="020B0503020204020204" pitchFamily="34" charset="-122"/>
-                <a:sym typeface="+mn-ea"/>
-              </a:rPr>
-              <a:t>- HTMLCanvas</a:t>
-            </a:r>
-            <a:br>
-              <a:rPr lang="en-US" altLang="zh-CN" sz="2000" noProof="1">
-                <a:solidFill>
-                  <a:srgbClr val="FF0000"/>
-                </a:solidFill>
-                <a:latin typeface="微软雅黑" panose="020B0503020204020204" pitchFamily="34" charset="-122"/>
-                <a:ea typeface="微软雅黑" panose="020B0503020204020204" pitchFamily="34" charset="-122"/>
-                <a:sym typeface="+mn-ea"/>
-              </a:rPr>
-            </a:br>
-            <a:r>
-              <a:rPr lang="en-US" altLang="zh-CN" sz="2000" noProof="1">
-                <a:solidFill>
-                  <a:srgbClr val="FF0000"/>
-                </a:solidFill>
-                <a:latin typeface="微软雅黑" panose="020B0503020204020204" pitchFamily="34" charset="-122"/>
-                <a:ea typeface="微软雅黑" panose="020B0503020204020204" pitchFamily="34" charset="-122"/>
-                <a:sym typeface="+mn-ea"/>
-              </a:rPr>
-              <a:t>- HTMLVide</a:t>
-            </a:r>
-            <a:endParaRPr lang="en-US" altLang="zh-CN" sz="2000" noProof="1">
-              <a:solidFill>
-                <a:srgbClr val="FF0000"/>
-              </a:solidFill>
-              <a:latin typeface="微软雅黑" panose="020B0503020204020204" pitchFamily="34" charset="-122"/>
-              <a:ea typeface="微软雅黑" panose="020B0503020204020204" pitchFamily="34" charset="-122"/>
-              <a:sym typeface="+mn-ea"/>
-            </a:endParaRPr>
-          </a:p>
-          <a:p>
-            <a:pPr marL="0" indent="0">
-              <a:buFont typeface="Wingdings 2" panose="05020102010507070707" pitchFamily="18" charset="2"/>
-              <a:buNone/>
-            </a:pPr>
-            <a:endParaRPr lang="en-US" altLang="zh-CN" noProof="1">
-              <a:solidFill>
-                <a:schemeClr val="tx1"/>
-              </a:solidFill>
-              <a:latin typeface="微软雅黑" panose="020B0503020204020204" pitchFamily="34" charset="-122"/>
-              <a:ea typeface="微软雅黑" panose="020B0503020204020204" pitchFamily="34" charset="-122"/>
-            </a:endParaRPr>
-          </a:p>
-        </p:txBody>
-      </p:sp>
-      <p:sp>
-        <p:nvSpPr>
-          <p:cNvPr id="5" name="文本框 4"/>
-          <p:cNvSpPr txBox="1"/>
-          <p:nvPr/>
-        </p:nvSpPr>
-        <p:spPr>
-          <a:xfrm>
-            <a:off x="6143625" y="6075045"/>
-            <a:ext cx="4224020" cy="429895"/>
-          </a:xfrm>
-          <a:prstGeom prst="rect">
-            <a:avLst/>
-          </a:prstGeom>
-          <a:noFill/>
-        </p:spPr>
-        <p:txBody>
-          <a:bodyPr wrap="square" rtlCol="0">
-            <a:spAutoFit/>
-          </a:bodyPr>
-          <a:p>
-            <a:pPr algn="l"/>
-            <a:r>
-              <a:rPr lang="zh-CN" sz="2200">
-                <a:solidFill>
-                  <a:srgbClr val="FF0000"/>
-                </a:solidFill>
-                <a:latin typeface="+mn-ea"/>
-                <a:ea typeface="+mn-ea"/>
-              </a:rPr>
-              <a:t>参见实例：</a:t>
-            </a:r>
-            <a:r>
-              <a:rPr lang="en-US" altLang="zh-CN" sz="2200">
-                <a:solidFill>
-                  <a:srgbClr val="FF0000"/>
-                </a:solidFill>
-                <a:latin typeface="+mn-ea"/>
-                <a:ea typeface="+mn-ea"/>
-              </a:rPr>
-              <a:t>.html</a:t>
-            </a:r>
-            <a:endParaRPr lang="en-US" altLang="zh-CN" sz="2200">
-              <a:solidFill>
-                <a:srgbClr val="FF0000"/>
-              </a:solidFill>
-              <a:latin typeface="+mn-ea"/>
-              <a:ea typeface="+mn-ea"/>
-            </a:endParaRPr>
-          </a:p>
-        </p:txBody>
-      </p:sp>
-      <p:sp>
-        <p:nvSpPr>
-          <p:cNvPr id="2" name="内容占位符 1"/>
-          <p:cNvSpPr>
-            <a:spLocks noGrp="1"/>
-          </p:cNvSpPr>
-          <p:nvPr>
-            <p:ph sz="quarter" idx="11"/>
-          </p:nvPr>
-        </p:nvSpPr>
-        <p:spPr>
-          <a:xfrm>
-            <a:off x="947420" y="236855"/>
-            <a:ext cx="9043035" cy="490220"/>
-          </a:xfrm>
-        </p:spPr>
-        <p:txBody>
-          <a:bodyPr/>
-          <a:p>
-            <a:r>
-              <a:rPr kumimoji="0" lang="en-US" altLang="zh-CN" dirty="0"/>
-              <a:t>Canvas </a:t>
-            </a:r>
-            <a:r>
-              <a:rPr kumimoji="0" lang="zh-CN" altLang="en-US" dirty="0"/>
-              <a:t>图像像素级操作</a:t>
-            </a:r>
-            <a:endParaRPr kumimoji="0" lang="zh-CN" altLang="en-US" dirty="0"/>
-          </a:p>
-        </p:txBody>
-      </p:sp>
-    </p:spTree>
-  </p:cSld>
-  <p:clrMapOvr>
-    <a:masterClrMapping/>
-  </p:clrMapOvr>
-</p:sld>
-</file>
-
-<file path=ppt/slides/slide7.xml><?xml version="1.0" encoding="utf-8"?>
-<p:sld xmlns:a="http://schemas.openxmlformats.org/drawingml/2006/main" xmlns:r="http://schemas.openxmlformats.org/officeDocument/2006/relationships" xmlns:p="http://schemas.openxmlformats.org/presentationml/2006/main">
-  <p:cSld>
-    <p:spTree>
-      <p:nvGrpSpPr>
-        <p:cNvPr id="1" name=""/>
-        <p:cNvGrpSpPr/>
-        <p:nvPr/>
-      </p:nvGrpSpPr>
-      <p:grpSpPr>
-        <a:xfrm>
-          <a:off x="0" y="0"/>
-          <a:ext cx="0" cy="0"/>
-          <a:chOff x="0" y="0"/>
-          <a:chExt cx="0" cy="0"/>
-        </a:xfrm>
-      </p:grpSpPr>
-      <p:sp>
-        <p:nvSpPr>
-          <p:cNvPr id="5122" name="内容占位符 2"/>
-          <p:cNvSpPr>
-            <a:spLocks noGrp="1"/>
-          </p:cNvSpPr>
-          <p:nvPr>
-            <p:ph idx="1"/>
-          </p:nvPr>
-        </p:nvSpPr>
-        <p:spPr>
-          <a:xfrm>
-            <a:off x="896620" y="829945"/>
-            <a:ext cx="10385425" cy="5245100"/>
-          </a:xfrm>
-        </p:spPr>
-        <p:txBody>
-          <a:bodyPr/>
-          <a:lstStyle/>
-          <a:p>
-            <a:pPr>
-              <a:lnSpc>
-                <a:spcPct val="150000"/>
-              </a:lnSpc>
-              <a:spcBef>
-                <a:spcPts val="1000"/>
-              </a:spcBef>
-            </a:pPr>
-            <a:r>
-              <a:rPr lang="en-US" altLang="zh-CN" sz="3200" noProof="1">
-                <a:solidFill>
-                  <a:schemeClr val="tx1"/>
-                </a:solidFill>
-                <a:latin typeface="微软雅黑" panose="020B0503020204020204" pitchFamily="34" charset="-122"/>
-                <a:ea typeface="微软雅黑" panose="020B0503020204020204" pitchFamily="34" charset="-122"/>
-                <a:sym typeface="+mn-ea"/>
-              </a:rPr>
-              <a:t>context</a:t>
-            </a:r>
-            <a:r>
               <a:rPr lang="zh-CN" altLang="en-US" sz="3200" noProof="1">
                 <a:solidFill>
                   <a:schemeClr val="tx1"/>
@@ -4336,7 +4009,7 @@
                 <a:latin typeface="+mn-ea"/>
                 <a:ea typeface="+mn-ea"/>
               </a:rPr>
-              <a:t>LS03_01.html</a:t>
+              <a:t>LS03_03.html</a:t>
             </a:r>
             <a:endParaRPr lang="en-US" altLang="zh-CN" sz="2200">
               <a:solidFill>
@@ -4373,7 +4046,7 @@
             </a:r>
             <a:r>
               <a:rPr kumimoji="0" lang="zh-CN" altLang="en-US" dirty="0"/>
-              <a:t>图像绘制</a:t>
+              <a:t>图像案例</a:t>
             </a:r>
             <a:endParaRPr kumimoji="0" lang="zh-CN" altLang="en-US" dirty="0"/>
           </a:p>
@@ -4408,6 +4081,1036 @@
   <p:clrMapOvr>
     <a:masterClrMapping/>
   </p:clrMapOvr>
+</p:sld>
+</file>
+
+<file path=ppt/slides/slide7.xml><?xml version="1.0" encoding="utf-8"?>
+<p:sld xmlns:a="http://schemas.openxmlformats.org/drawingml/2006/main" xmlns:r="http://schemas.openxmlformats.org/officeDocument/2006/relationships" xmlns:p="http://schemas.openxmlformats.org/presentationml/2006/main">
+  <p:cSld>
+    <p:spTree>
+      <p:nvGrpSpPr>
+        <p:cNvPr id="1" name=""/>
+        <p:cNvGrpSpPr/>
+        <p:nvPr/>
+      </p:nvGrpSpPr>
+      <p:grpSpPr>
+        <a:xfrm>
+          <a:off x="0" y="0"/>
+          <a:ext cx="0" cy="0"/>
+          <a:chOff x="0" y="0"/>
+          <a:chExt cx="0" cy="0"/>
+        </a:xfrm>
+      </p:grpSpPr>
+      <p:sp>
+        <p:nvSpPr>
+          <p:cNvPr id="3" name="内容占位符 2"/>
+          <p:cNvSpPr>
+            <a:spLocks noGrp="1"/>
+          </p:cNvSpPr>
+          <p:nvPr/>
+        </p:nvSpPr>
+        <p:spPr>
+          <a:xfrm>
+            <a:off x="947204" y="236943"/>
+            <a:ext cx="8191557" cy="490476"/>
+          </a:xfrm>
+          <a:prstGeom prst="rect">
+            <a:avLst/>
+          </a:prstGeom>
+        </p:spPr>
+        <p:txBody>
+          <a:bodyPr/>
+          <a:lstStyle>
+            <a:lvl1pPr marL="167005" indent="-167005" algn="l" defTabSz="0" rtl="0" eaLnBrk="0" fontAlgn="base" hangingPunct="0">
+              <a:spcBef>
+                <a:spcPct val="0"/>
+              </a:spcBef>
+              <a:spcAft>
+                <a:spcPct val="15000"/>
+              </a:spcAft>
+              <a:buClr>
+                <a:schemeClr val="tx2"/>
+              </a:buClr>
+              <a:buFont typeface="Arial" panose="020B0604020202020204" pitchFamily="34" charset="0"/>
+              <a:buNone/>
+              <a:defRPr sz="3200" b="0">
+                <a:solidFill>
+                  <a:srgbClr val="C00000"/>
+                </a:solidFill>
+                <a:latin typeface="微软雅黑" panose="020B0503020204020204" pitchFamily="34" charset="-122"/>
+                <a:ea typeface="微软雅黑" panose="020B0503020204020204" pitchFamily="34" charset="-122"/>
+                <a:cs typeface="+mn-cs"/>
+              </a:defRPr>
+            </a:lvl1pPr>
+            <a:lvl2pPr marL="398780" indent="-230505" algn="l" defTabSz="0" rtl="0" eaLnBrk="0" fontAlgn="base" hangingPunct="0">
+              <a:spcBef>
+                <a:spcPct val="0"/>
+              </a:spcBef>
+              <a:spcAft>
+                <a:spcPct val="15000"/>
+              </a:spcAft>
+              <a:buClr>
+                <a:schemeClr val="tx2"/>
+              </a:buClr>
+              <a:buFont typeface="Arial" panose="020B0604020202020204" pitchFamily="34" charset="0"/>
+              <a:buChar char="–"/>
+              <a:defRPr sz="2000">
+                <a:solidFill>
+                  <a:schemeClr val="tx1"/>
+                </a:solidFill>
+                <a:latin typeface="微软雅黑" panose="020B0503020204020204" pitchFamily="34" charset="-122"/>
+                <a:ea typeface="微软雅黑" panose="020B0503020204020204" pitchFamily="34" charset="-122"/>
+              </a:defRPr>
+            </a:lvl2pPr>
+            <a:lvl3pPr marL="400050" indent="182880" algn="l" defTabSz="0" rtl="0" eaLnBrk="0" fontAlgn="base" hangingPunct="0">
+              <a:spcBef>
+                <a:spcPct val="0"/>
+              </a:spcBef>
+              <a:spcAft>
+                <a:spcPct val="15000"/>
+              </a:spcAft>
+              <a:buClr>
+                <a:schemeClr val="tx2"/>
+              </a:buClr>
+              <a:buFont typeface="Arial" panose="020B0604020202020204" pitchFamily="34" charset="0"/>
+              <a:buChar char="•"/>
+              <a:defRPr sz="1600">
+                <a:solidFill>
+                  <a:schemeClr val="tx1"/>
+                </a:solidFill>
+                <a:latin typeface="微软雅黑" panose="020B0503020204020204" pitchFamily="34" charset="-122"/>
+                <a:ea typeface="微软雅黑" panose="020B0503020204020204" pitchFamily="34" charset="-122"/>
+              </a:defRPr>
+            </a:lvl3pPr>
+            <a:lvl4pPr marL="825500" indent="-241300" algn="l" defTabSz="0" rtl="0" eaLnBrk="0" fontAlgn="base" hangingPunct="0">
+              <a:spcBef>
+                <a:spcPct val="0"/>
+              </a:spcBef>
+              <a:spcAft>
+                <a:spcPct val="15000"/>
+              </a:spcAft>
+              <a:buClr>
+                <a:schemeClr val="tx2"/>
+              </a:buClr>
+              <a:buFont typeface="Arial" panose="020B0604020202020204" pitchFamily="34" charset="0"/>
+              <a:buChar char="–"/>
+              <a:defRPr sz="1600">
+                <a:solidFill>
+                  <a:schemeClr val="tx1"/>
+                </a:solidFill>
+                <a:latin typeface="微软雅黑" panose="020B0503020204020204" pitchFamily="34" charset="-122"/>
+                <a:ea typeface="微软雅黑" panose="020B0503020204020204" pitchFamily="34" charset="-122"/>
+              </a:defRPr>
+            </a:lvl4pPr>
+            <a:lvl5pPr marL="2057400" indent="-228600" algn="l" defTabSz="0" rtl="0" eaLnBrk="0" fontAlgn="base" hangingPunct="0">
+              <a:spcBef>
+                <a:spcPct val="0"/>
+              </a:spcBef>
+              <a:spcAft>
+                <a:spcPct val="25000"/>
+              </a:spcAft>
+              <a:buClr>
+                <a:schemeClr val="tx2"/>
+              </a:buClr>
+              <a:buFont typeface="Arial" panose="020B0604020202020204" pitchFamily="34" charset="0"/>
+              <a:buChar char="–"/>
+              <a:defRPr sz="2000">
+                <a:solidFill>
+                  <a:schemeClr val="tx1"/>
+                </a:solidFill>
+                <a:latin typeface="+mn-lt"/>
+                <a:ea typeface="微软雅黑" panose="020B0503020204020204" pitchFamily="34" charset="-122"/>
+              </a:defRPr>
+            </a:lvl5pPr>
+            <a:lvl6pPr marL="2514600" indent="-228600" algn="l" defTabSz="0" rtl="0" eaLnBrk="0" fontAlgn="base" hangingPunct="0">
+              <a:spcBef>
+                <a:spcPct val="0"/>
+              </a:spcBef>
+              <a:spcAft>
+                <a:spcPct val="25000"/>
+              </a:spcAft>
+              <a:buClr>
+                <a:schemeClr val="tx2"/>
+              </a:buClr>
+              <a:buFont typeface="Arial" panose="020B0604020202020204" pitchFamily="34" charset="0"/>
+              <a:buChar char="–"/>
+              <a:defRPr>
+                <a:solidFill>
+                  <a:schemeClr val="tx1"/>
+                </a:solidFill>
+                <a:latin typeface="+mn-lt"/>
+              </a:defRPr>
+            </a:lvl6pPr>
+            <a:lvl7pPr marL="2971800" indent="-228600" algn="l" defTabSz="0" rtl="0" eaLnBrk="0" fontAlgn="base" hangingPunct="0">
+              <a:spcBef>
+                <a:spcPct val="0"/>
+              </a:spcBef>
+              <a:spcAft>
+                <a:spcPct val="25000"/>
+              </a:spcAft>
+              <a:buClr>
+                <a:schemeClr val="tx2"/>
+              </a:buClr>
+              <a:buFont typeface="Arial" panose="020B0604020202020204" pitchFamily="34" charset="0"/>
+              <a:buChar char="–"/>
+              <a:defRPr>
+                <a:solidFill>
+                  <a:schemeClr val="tx1"/>
+                </a:solidFill>
+                <a:latin typeface="+mn-lt"/>
+              </a:defRPr>
+            </a:lvl7pPr>
+            <a:lvl8pPr marL="3429000" indent="-228600" algn="l" defTabSz="0" rtl="0" eaLnBrk="0" fontAlgn="base" hangingPunct="0">
+              <a:spcBef>
+                <a:spcPct val="0"/>
+              </a:spcBef>
+              <a:spcAft>
+                <a:spcPct val="25000"/>
+              </a:spcAft>
+              <a:buClr>
+                <a:schemeClr val="tx2"/>
+              </a:buClr>
+              <a:buFont typeface="Arial" panose="020B0604020202020204" pitchFamily="34" charset="0"/>
+              <a:buChar char="–"/>
+              <a:defRPr>
+                <a:solidFill>
+                  <a:schemeClr val="tx1"/>
+                </a:solidFill>
+                <a:latin typeface="+mn-lt"/>
+              </a:defRPr>
+            </a:lvl8pPr>
+            <a:lvl9pPr marL="3886200" indent="-228600" algn="l" defTabSz="0" rtl="0" eaLnBrk="0" fontAlgn="base" hangingPunct="0">
+              <a:spcBef>
+                <a:spcPct val="0"/>
+              </a:spcBef>
+              <a:spcAft>
+                <a:spcPct val="25000"/>
+              </a:spcAft>
+              <a:buClr>
+                <a:schemeClr val="tx2"/>
+              </a:buClr>
+              <a:buFont typeface="Arial" panose="020B0604020202020204" pitchFamily="34" charset="0"/>
+              <a:buChar char="–"/>
+              <a:defRPr>
+                <a:solidFill>
+                  <a:schemeClr val="tx1"/>
+                </a:solidFill>
+                <a:latin typeface="+mn-lt"/>
+              </a:defRPr>
+            </a:lvl9pPr>
+          </a:lstStyle>
+          <a:p>
+            <a:r>
+              <a:rPr lang="zh-CN" dirty="0" smtClean="0"/>
+              <a:t>内容刚要</a:t>
+            </a:r>
+            <a:endParaRPr lang="zh-CN" dirty="0" smtClean="0"/>
+          </a:p>
+        </p:txBody>
+      </p:sp>
+      <p:sp>
+        <p:nvSpPr>
+          <p:cNvPr id="4" name="AutoShape 6"/>
+          <p:cNvSpPr>
+            <a:spLocks noChangeArrowheads="1"/>
+          </p:cNvSpPr>
+          <p:nvPr/>
+        </p:nvSpPr>
+        <p:spPr bwMode="auto">
+          <a:xfrm>
+            <a:off x="2739708" y="1261111"/>
+            <a:ext cx="6711950" cy="4214813"/>
+          </a:xfrm>
+          <a:prstGeom prst="roundRect">
+            <a:avLst>
+              <a:gd name="adj" fmla="val 16667"/>
+            </a:avLst>
+          </a:prstGeom>
+          <a:noFill/>
+          <a:ln w="28575">
+            <a:solidFill>
+              <a:srgbClr val="C0C0C0"/>
+            </a:solidFill>
+            <a:prstDash val="sysDot"/>
+            <a:round/>
+          </a:ln>
+          <a:extLst>
+            <a:ext uri="{909E8E84-426E-40DD-AFC4-6F175D3DCCD1}">
+              <a14:hiddenFill xmlns:a14="http://schemas.microsoft.com/office/drawing/2010/main">
+                <a:solidFill>
+                  <a:srgbClr val="FFFFFF"/>
+                </a:solidFill>
+              </a14:hiddenFill>
+            </a:ext>
+          </a:extLst>
+        </p:spPr>
+        <p:txBody>
+          <a:bodyPr wrap="none" anchor="ctr"/>
+          <a:lstStyle>
+            <a:lvl1pPr marL="457200" indent="-457200">
+              <a:defRPr sz="3200">
+                <a:solidFill>
+                  <a:schemeClr val="tx1"/>
+                </a:solidFill>
+                <a:latin typeface="Arial" panose="020B0604020202020204" pitchFamily="34" charset="0"/>
+                <a:ea typeface="微软雅黑" panose="020B0503020204020204" pitchFamily="34" charset="-122"/>
+              </a:defRPr>
+            </a:lvl1pPr>
+            <a:lvl2pPr marL="742950" indent="-285750">
+              <a:defRPr sz="3200">
+                <a:solidFill>
+                  <a:schemeClr val="tx1"/>
+                </a:solidFill>
+                <a:latin typeface="Arial" panose="020B0604020202020204" pitchFamily="34" charset="0"/>
+                <a:ea typeface="微软雅黑" panose="020B0503020204020204" pitchFamily="34" charset="-122"/>
+              </a:defRPr>
+            </a:lvl2pPr>
+            <a:lvl3pPr marL="1143000" indent="-228600">
+              <a:defRPr sz="3200">
+                <a:solidFill>
+                  <a:schemeClr val="tx1"/>
+                </a:solidFill>
+                <a:latin typeface="Arial" panose="020B0604020202020204" pitchFamily="34" charset="0"/>
+                <a:ea typeface="微软雅黑" panose="020B0503020204020204" pitchFamily="34" charset="-122"/>
+              </a:defRPr>
+            </a:lvl3pPr>
+            <a:lvl4pPr marL="1600200" indent="-228600">
+              <a:defRPr sz="3200">
+                <a:solidFill>
+                  <a:schemeClr val="tx1"/>
+                </a:solidFill>
+                <a:latin typeface="Arial" panose="020B0604020202020204" pitchFamily="34" charset="0"/>
+                <a:ea typeface="微软雅黑" panose="020B0503020204020204" pitchFamily="34" charset="-122"/>
+              </a:defRPr>
+            </a:lvl4pPr>
+            <a:lvl5pPr marL="2057400" indent="-228600">
+              <a:defRPr sz="3200">
+                <a:solidFill>
+                  <a:schemeClr val="tx1"/>
+                </a:solidFill>
+                <a:latin typeface="Arial" panose="020B0604020202020204" pitchFamily="34" charset="0"/>
+                <a:ea typeface="微软雅黑" panose="020B0503020204020204" pitchFamily="34" charset="-122"/>
+              </a:defRPr>
+            </a:lvl5pPr>
+            <a:lvl6pPr marL="2514600" indent="-228600" eaLnBrk="0" fontAlgn="base" hangingPunct="0">
+              <a:spcBef>
+                <a:spcPct val="0"/>
+              </a:spcBef>
+              <a:spcAft>
+                <a:spcPct val="0"/>
+              </a:spcAft>
+              <a:defRPr sz="3200">
+                <a:solidFill>
+                  <a:schemeClr val="tx1"/>
+                </a:solidFill>
+                <a:latin typeface="Arial" panose="020B0604020202020204" pitchFamily="34" charset="0"/>
+                <a:ea typeface="微软雅黑" panose="020B0503020204020204" pitchFamily="34" charset="-122"/>
+              </a:defRPr>
+            </a:lvl6pPr>
+            <a:lvl7pPr marL="2971800" indent="-228600" eaLnBrk="0" fontAlgn="base" hangingPunct="0">
+              <a:spcBef>
+                <a:spcPct val="0"/>
+              </a:spcBef>
+              <a:spcAft>
+                <a:spcPct val="0"/>
+              </a:spcAft>
+              <a:defRPr sz="3200">
+                <a:solidFill>
+                  <a:schemeClr val="tx1"/>
+                </a:solidFill>
+                <a:latin typeface="Arial" panose="020B0604020202020204" pitchFamily="34" charset="0"/>
+                <a:ea typeface="微软雅黑" panose="020B0503020204020204" pitchFamily="34" charset="-122"/>
+              </a:defRPr>
+            </a:lvl7pPr>
+            <a:lvl8pPr marL="3429000" indent="-228600" eaLnBrk="0" fontAlgn="base" hangingPunct="0">
+              <a:spcBef>
+                <a:spcPct val="0"/>
+              </a:spcBef>
+              <a:spcAft>
+                <a:spcPct val="0"/>
+              </a:spcAft>
+              <a:defRPr sz="3200">
+                <a:solidFill>
+                  <a:schemeClr val="tx1"/>
+                </a:solidFill>
+                <a:latin typeface="Arial" panose="020B0604020202020204" pitchFamily="34" charset="0"/>
+                <a:ea typeface="微软雅黑" panose="020B0503020204020204" pitchFamily="34" charset="-122"/>
+              </a:defRPr>
+            </a:lvl8pPr>
+            <a:lvl9pPr marL="3886200" indent="-228600" eaLnBrk="0" fontAlgn="base" hangingPunct="0">
+              <a:spcBef>
+                <a:spcPct val="0"/>
+              </a:spcBef>
+              <a:spcAft>
+                <a:spcPct val="0"/>
+              </a:spcAft>
+              <a:defRPr sz="3200">
+                <a:solidFill>
+                  <a:schemeClr val="tx1"/>
+                </a:solidFill>
+                <a:latin typeface="Arial" panose="020B0604020202020204" pitchFamily="34" charset="0"/>
+                <a:ea typeface="微软雅黑" panose="020B0503020204020204" pitchFamily="34" charset="-122"/>
+              </a:defRPr>
+            </a:lvl9pPr>
+          </a:lstStyle>
+          <a:p>
+            <a:pPr algn="l">
+              <a:lnSpc>
+                <a:spcPct val="150000"/>
+              </a:lnSpc>
+              <a:spcBef>
+                <a:spcPts val="1200"/>
+              </a:spcBef>
+              <a:spcAft>
+                <a:spcPts val="1200"/>
+              </a:spcAft>
+              <a:buClr>
+                <a:srgbClr val="92D050"/>
+              </a:buClr>
+              <a:buFont typeface="Wingdings" panose="05000000000000000000" pitchFamily="2" charset="2"/>
+              <a:buChar char="Ø"/>
+            </a:pPr>
+            <a:r>
+              <a:rPr lang="en-US" sz="2800" b="1">
+                <a:solidFill>
+                  <a:schemeClr val="tx1"/>
+                </a:solidFill>
+              </a:rPr>
+              <a:t>Canvas </a:t>
+            </a:r>
+            <a:r>
+              <a:rPr lang="zh-CN" altLang="en-US" sz="2800" b="1">
+                <a:solidFill>
+                  <a:schemeClr val="tx1"/>
+                </a:solidFill>
+              </a:rPr>
+              <a:t>图像基础</a:t>
+            </a:r>
+            <a:endParaRPr lang="zh-CN" altLang="en-US" sz="2800" b="1">
+              <a:solidFill>
+                <a:schemeClr val="tx1"/>
+              </a:solidFill>
+            </a:endParaRPr>
+          </a:p>
+          <a:p>
+            <a:pPr algn="l">
+              <a:lnSpc>
+                <a:spcPct val="150000"/>
+              </a:lnSpc>
+              <a:spcBef>
+                <a:spcPts val="1200"/>
+              </a:spcBef>
+              <a:spcAft>
+                <a:spcPts val="1200"/>
+              </a:spcAft>
+              <a:buClr>
+                <a:srgbClr val="92D050"/>
+              </a:buClr>
+              <a:buFont typeface="Wingdings" panose="05000000000000000000" pitchFamily="2" charset="2"/>
+              <a:buChar char="Ø"/>
+            </a:pPr>
+            <a:r>
+              <a:rPr lang="en-US" altLang="zh-CN" sz="2800" b="1">
+                <a:solidFill>
+                  <a:schemeClr val="tx1"/>
+                </a:solidFill>
+              </a:rPr>
+              <a:t>Canvas </a:t>
+            </a:r>
+            <a:r>
+              <a:rPr lang="zh-CN" altLang="en-US" sz="2800" b="1">
+                <a:solidFill>
+                  <a:schemeClr val="tx1"/>
+                </a:solidFill>
+                <a:sym typeface="+mn-ea"/>
+              </a:rPr>
+              <a:t>图像案例（离屏、交互）</a:t>
+            </a:r>
+            <a:endParaRPr lang="zh-CN" altLang="en-US" sz="2800" b="1">
+              <a:solidFill>
+                <a:schemeClr val="tx1"/>
+              </a:solidFill>
+              <a:sym typeface="+mn-ea"/>
+            </a:endParaRPr>
+          </a:p>
+          <a:p>
+            <a:pPr algn="l">
+              <a:lnSpc>
+                <a:spcPct val="150000"/>
+              </a:lnSpc>
+              <a:spcBef>
+                <a:spcPts val="1200"/>
+              </a:spcBef>
+              <a:spcAft>
+                <a:spcPts val="1200"/>
+              </a:spcAft>
+              <a:buClr>
+                <a:srgbClr val="92D050"/>
+              </a:buClr>
+              <a:buFont typeface="Wingdings" panose="05000000000000000000" pitchFamily="2" charset="2"/>
+              <a:buChar char="Ø"/>
+            </a:pPr>
+            <a:r>
+              <a:rPr lang="en-US" altLang="zh-CN" sz="2800" b="1">
+                <a:solidFill>
+                  <a:schemeClr val="accent3"/>
+                </a:solidFill>
+              </a:rPr>
+              <a:t>Canvas </a:t>
+            </a:r>
+            <a:r>
+              <a:rPr lang="zh-CN" altLang="en-US" sz="2800" b="1">
+                <a:solidFill>
+                  <a:schemeClr val="accent3"/>
+                </a:solidFill>
+                <a:sym typeface="+mn-ea"/>
+              </a:rPr>
+              <a:t>像素级操作</a:t>
+            </a:r>
+            <a:endParaRPr lang="zh-CN" altLang="en-US" sz="2800" b="1">
+              <a:solidFill>
+                <a:schemeClr val="accent3"/>
+              </a:solidFill>
+              <a:sym typeface="+mn-ea"/>
+            </a:endParaRPr>
+          </a:p>
+        </p:txBody>
+      </p:sp>
+    </p:spTree>
+  </p:cSld>
+  <p:clrMapOvr>
+    <a:masterClrMapping/>
+  </p:clrMapOvr>
+  <p:timing>
+    <p:tnLst>
+      <p:par>
+        <p:cTn id="1" dur="indefinite" restart="never" nodeType="tmRoot"/>
+      </p:par>
+    </p:tnLst>
+  </p:timing>
+</p:sld>
+</file>
+
+<file path=ppt/slides/slide8.xml><?xml version="1.0" encoding="utf-8"?>
+<p:sld xmlns:a="http://schemas.openxmlformats.org/drawingml/2006/main" xmlns:r="http://schemas.openxmlformats.org/officeDocument/2006/relationships" xmlns:p="http://schemas.openxmlformats.org/presentationml/2006/main">
+  <p:cSld>
+    <p:spTree>
+      <p:nvGrpSpPr>
+        <p:cNvPr id="1" name=""/>
+        <p:cNvGrpSpPr/>
+        <p:nvPr/>
+      </p:nvGrpSpPr>
+      <p:grpSpPr>
+        <a:xfrm>
+          <a:off x="0" y="0"/>
+          <a:ext cx="0" cy="0"/>
+          <a:chOff x="0" y="0"/>
+          <a:chExt cx="0" cy="0"/>
+        </a:xfrm>
+      </p:grpSpPr>
+      <p:sp>
+        <p:nvSpPr>
+          <p:cNvPr id="5122" name="内容占位符 2"/>
+          <p:cNvSpPr>
+            <a:spLocks noGrp="1"/>
+          </p:cNvSpPr>
+          <p:nvPr>
+            <p:ph idx="1"/>
+          </p:nvPr>
+        </p:nvSpPr>
+        <p:spPr>
+          <a:xfrm>
+            <a:off x="896620" y="829945"/>
+            <a:ext cx="10385425" cy="5245100"/>
+          </a:xfrm>
+        </p:spPr>
+        <p:txBody>
+          <a:bodyPr/>
+          <a:lstStyle/>
+          <a:p>
+            <a:pPr>
+              <a:lnSpc>
+                <a:spcPct val="150000"/>
+              </a:lnSpc>
+              <a:spcBef>
+                <a:spcPts val="1000"/>
+              </a:spcBef>
+            </a:pPr>
+            <a:r>
+              <a:rPr lang="en-US" altLang="zh-CN" sz="3200" noProof="1">
+                <a:solidFill>
+                  <a:schemeClr val="tx1"/>
+                </a:solidFill>
+                <a:latin typeface="微软雅黑" panose="020B0503020204020204" pitchFamily="34" charset="-122"/>
+                <a:ea typeface="微软雅黑" panose="020B0503020204020204" pitchFamily="34" charset="-122"/>
+                <a:sym typeface="+mn-ea"/>
+              </a:rPr>
+              <a:t>context</a:t>
+            </a:r>
+            <a:r>
+              <a:rPr lang="zh-CN" altLang="en-US" sz="3200">
+                <a:solidFill>
+                  <a:schemeClr val="tx1"/>
+                </a:solidFill>
+                <a:sym typeface="+mn-ea"/>
+              </a:rPr>
+              <a:t>像素级操作相关</a:t>
+            </a:r>
+            <a:r>
+              <a:rPr lang="zh-CN" altLang="en-US" sz="3200" noProof="1">
+                <a:solidFill>
+                  <a:schemeClr val="tx1"/>
+                </a:solidFill>
+                <a:latin typeface="微软雅黑" panose="020B0503020204020204" pitchFamily="34" charset="-122"/>
+                <a:ea typeface="微软雅黑" panose="020B0503020204020204" pitchFamily="34" charset="-122"/>
+                <a:sym typeface="+mn-ea"/>
+              </a:rPr>
+              <a:t>的方法</a:t>
+            </a:r>
+            <a:br>
+              <a:rPr lang="zh-CN" altLang="en-US" sz="2800" noProof="1">
+                <a:solidFill>
+                  <a:schemeClr val="tx1"/>
+                </a:solidFill>
+                <a:latin typeface="微软雅黑" panose="020B0503020204020204" pitchFamily="34" charset="-122"/>
+                <a:ea typeface="微软雅黑" panose="020B0503020204020204" pitchFamily="34" charset="-122"/>
+                <a:sym typeface="+mn-ea"/>
+              </a:rPr>
+            </a:br>
+            <a:r>
+              <a:rPr lang="en-US" altLang="zh-CN" sz="2100" noProof="1">
+                <a:solidFill>
+                  <a:schemeClr val="tx1"/>
+                </a:solidFill>
+                <a:latin typeface="微软雅黑" panose="020B0503020204020204" pitchFamily="34" charset="-122"/>
+                <a:ea typeface="微软雅黑" panose="020B0503020204020204" pitchFamily="34" charset="-122"/>
+                <a:sym typeface="+mn-ea"/>
+              </a:rPr>
+              <a:t>- createImageData(sw,sh)</a:t>
+            </a:r>
+            <a:br>
+              <a:rPr lang="en-US" altLang="zh-CN" sz="2100" noProof="1">
+                <a:solidFill>
+                  <a:schemeClr val="tx1"/>
+                </a:solidFill>
+                <a:latin typeface="微软雅黑" panose="020B0503020204020204" pitchFamily="34" charset="-122"/>
+                <a:ea typeface="微软雅黑" panose="020B0503020204020204" pitchFamily="34" charset="-122"/>
+                <a:sym typeface="+mn-ea"/>
+              </a:rPr>
+            </a:br>
+            <a:r>
+              <a:rPr lang="en-US" altLang="zh-CN" sz="2100" noProof="1">
+                <a:solidFill>
+                  <a:schemeClr val="tx1"/>
+                </a:solidFill>
+                <a:latin typeface="微软雅黑" panose="020B0503020204020204" pitchFamily="34" charset="-122"/>
+                <a:ea typeface="微软雅黑" panose="020B0503020204020204" pitchFamily="34" charset="-122"/>
+                <a:sym typeface="+mn-ea"/>
+              </a:rPr>
+              <a:t>- </a:t>
+            </a:r>
+            <a:r>
+              <a:rPr lang="en-US" altLang="zh-CN" sz="2100">
+                <a:solidFill>
+                  <a:schemeClr val="tx1"/>
+                </a:solidFill>
+                <a:sym typeface="+mn-ea"/>
+              </a:rPr>
+              <a:t>createImageData(imageData)</a:t>
+            </a:r>
+            <a:br>
+              <a:rPr lang="en-US" altLang="zh-CN" sz="2100" noProof="1">
+                <a:solidFill>
+                  <a:schemeClr val="tx1"/>
+                </a:solidFill>
+                <a:latin typeface="微软雅黑" panose="020B0503020204020204" pitchFamily="34" charset="-122"/>
+                <a:ea typeface="微软雅黑" panose="020B0503020204020204" pitchFamily="34" charset="-122"/>
+                <a:sym typeface="+mn-ea"/>
+              </a:rPr>
+            </a:br>
+            <a:r>
+              <a:rPr lang="en-US" altLang="zh-CN" sz="2100" noProof="1">
+                <a:solidFill>
+                  <a:schemeClr val="tx1"/>
+                </a:solidFill>
+                <a:latin typeface="微软雅黑" panose="020B0503020204020204" pitchFamily="34" charset="-122"/>
+                <a:ea typeface="微软雅黑" panose="020B0503020204020204" pitchFamily="34" charset="-122"/>
+                <a:sym typeface="+mn-ea"/>
+              </a:rPr>
+              <a:t>- getImageData(sx,sy,sw,sh)</a:t>
+            </a:r>
+            <a:br>
+              <a:rPr lang="en-US" altLang="zh-CN" sz="2100" noProof="1">
+                <a:solidFill>
+                  <a:schemeClr val="tx1"/>
+                </a:solidFill>
+                <a:latin typeface="微软雅黑" panose="020B0503020204020204" pitchFamily="34" charset="-122"/>
+                <a:ea typeface="微软雅黑" panose="020B0503020204020204" pitchFamily="34" charset="-122"/>
+                <a:sym typeface="+mn-ea"/>
+              </a:rPr>
+            </a:br>
+            <a:r>
+              <a:rPr lang="en-US" altLang="zh-CN" sz="2100" noProof="1">
+                <a:solidFill>
+                  <a:schemeClr val="tx1"/>
+                </a:solidFill>
+                <a:latin typeface="微软雅黑" panose="020B0503020204020204" pitchFamily="34" charset="-122"/>
+                <a:ea typeface="微软雅黑" panose="020B0503020204020204" pitchFamily="34" charset="-122"/>
+                <a:sym typeface="+mn-ea"/>
+              </a:rPr>
+              <a:t>- putImageData( )</a:t>
+            </a:r>
+            <a:endParaRPr lang="en-US" altLang="zh-CN" sz="2100" noProof="1">
+              <a:solidFill>
+                <a:schemeClr val="tx1"/>
+              </a:solidFill>
+              <a:latin typeface="微软雅黑" panose="020B0503020204020204" pitchFamily="34" charset="-122"/>
+              <a:ea typeface="微软雅黑" panose="020B0503020204020204" pitchFamily="34" charset="-122"/>
+              <a:sym typeface="+mn-ea"/>
+            </a:endParaRPr>
+          </a:p>
+          <a:p>
+            <a:pPr>
+              <a:lnSpc>
+                <a:spcPct val="150000"/>
+              </a:lnSpc>
+              <a:spcBef>
+                <a:spcPts val="1000"/>
+              </a:spcBef>
+            </a:pPr>
+            <a:r>
+              <a:rPr lang="en-US" altLang="zh-CN" sz="3200" noProof="1">
+                <a:solidFill>
+                  <a:srgbClr val="FF0000"/>
+                </a:solidFill>
+                <a:latin typeface="微软雅黑" panose="020B0503020204020204" pitchFamily="34" charset="-122"/>
+                <a:ea typeface="微软雅黑" panose="020B0503020204020204" pitchFamily="34" charset="-122"/>
+                <a:sym typeface="+mn-ea"/>
+              </a:rPr>
+              <a:t>image</a:t>
+            </a:r>
+            <a:br>
+              <a:rPr lang="zh-CN" altLang="en-US" sz="3200" noProof="1">
+                <a:solidFill>
+                  <a:srgbClr val="FF0000"/>
+                </a:solidFill>
+                <a:latin typeface="微软雅黑" panose="020B0503020204020204" pitchFamily="34" charset="-122"/>
+                <a:ea typeface="微软雅黑" panose="020B0503020204020204" pitchFamily="34" charset="-122"/>
+                <a:sym typeface="+mn-ea"/>
+              </a:rPr>
+            </a:br>
+            <a:r>
+              <a:rPr lang="en-US" altLang="zh-CN" sz="2000" noProof="1">
+                <a:solidFill>
+                  <a:srgbClr val="FF0000"/>
+                </a:solidFill>
+                <a:latin typeface="微软雅黑" panose="020B0503020204020204" pitchFamily="34" charset="-122"/>
+                <a:ea typeface="微软雅黑" panose="020B0503020204020204" pitchFamily="34" charset="-122"/>
+                <a:sym typeface="+mn-ea"/>
+              </a:rPr>
+              <a:t>- HTMLImag</a:t>
+            </a:r>
+            <a:br>
+              <a:rPr lang="en-US" altLang="zh-CN" sz="2000" noProof="1">
+                <a:solidFill>
+                  <a:srgbClr val="FF0000"/>
+                </a:solidFill>
+                <a:latin typeface="微软雅黑" panose="020B0503020204020204" pitchFamily="34" charset="-122"/>
+                <a:ea typeface="微软雅黑" panose="020B0503020204020204" pitchFamily="34" charset="-122"/>
+                <a:sym typeface="+mn-ea"/>
+              </a:rPr>
+            </a:br>
+            <a:r>
+              <a:rPr lang="en-US" altLang="zh-CN" sz="2000" noProof="1">
+                <a:solidFill>
+                  <a:srgbClr val="FF0000"/>
+                </a:solidFill>
+                <a:latin typeface="微软雅黑" panose="020B0503020204020204" pitchFamily="34" charset="-122"/>
+                <a:ea typeface="微软雅黑" panose="020B0503020204020204" pitchFamily="34" charset="-122"/>
+                <a:sym typeface="+mn-ea"/>
+              </a:rPr>
+              <a:t>- HTMLCanvas</a:t>
+            </a:r>
+            <a:br>
+              <a:rPr lang="en-US" altLang="zh-CN" sz="2000" noProof="1">
+                <a:solidFill>
+                  <a:srgbClr val="FF0000"/>
+                </a:solidFill>
+                <a:latin typeface="微软雅黑" panose="020B0503020204020204" pitchFamily="34" charset="-122"/>
+                <a:ea typeface="微软雅黑" panose="020B0503020204020204" pitchFamily="34" charset="-122"/>
+                <a:sym typeface="+mn-ea"/>
+              </a:rPr>
+            </a:br>
+            <a:r>
+              <a:rPr lang="en-US" altLang="zh-CN" sz="2000" noProof="1">
+                <a:solidFill>
+                  <a:srgbClr val="FF0000"/>
+                </a:solidFill>
+                <a:latin typeface="微软雅黑" panose="020B0503020204020204" pitchFamily="34" charset="-122"/>
+                <a:ea typeface="微软雅黑" panose="020B0503020204020204" pitchFamily="34" charset="-122"/>
+                <a:sym typeface="+mn-ea"/>
+              </a:rPr>
+              <a:t>- HTMLVide</a:t>
+            </a:r>
+            <a:endParaRPr lang="en-US" altLang="zh-CN" sz="2000" noProof="1">
+              <a:solidFill>
+                <a:srgbClr val="FF0000"/>
+              </a:solidFill>
+              <a:latin typeface="微软雅黑" panose="020B0503020204020204" pitchFamily="34" charset="-122"/>
+              <a:ea typeface="微软雅黑" panose="020B0503020204020204" pitchFamily="34" charset="-122"/>
+              <a:sym typeface="+mn-ea"/>
+            </a:endParaRPr>
+          </a:p>
+          <a:p>
+            <a:pPr marL="0" indent="0">
+              <a:buFont typeface="Wingdings 2" panose="05020102010507070707" pitchFamily="18" charset="2"/>
+              <a:buNone/>
+            </a:pPr>
+            <a:endParaRPr lang="en-US" altLang="zh-CN" noProof="1">
+              <a:solidFill>
+                <a:schemeClr val="tx1"/>
+              </a:solidFill>
+              <a:latin typeface="微软雅黑" panose="020B0503020204020204" pitchFamily="34" charset="-122"/>
+              <a:ea typeface="微软雅黑" panose="020B0503020204020204" pitchFamily="34" charset="-122"/>
+            </a:endParaRPr>
+          </a:p>
+        </p:txBody>
+      </p:sp>
+      <p:sp>
+        <p:nvSpPr>
+          <p:cNvPr id="5" name="文本框 4"/>
+          <p:cNvSpPr txBox="1"/>
+          <p:nvPr/>
+        </p:nvSpPr>
+        <p:spPr>
+          <a:xfrm>
+            <a:off x="6143625" y="6075045"/>
+            <a:ext cx="4224020" cy="429895"/>
+          </a:xfrm>
+          <a:prstGeom prst="rect">
+            <a:avLst/>
+          </a:prstGeom>
+          <a:noFill/>
+        </p:spPr>
+        <p:txBody>
+          <a:bodyPr wrap="square" rtlCol="0">
+            <a:spAutoFit/>
+          </a:bodyPr>
+          <a:p>
+            <a:pPr algn="l"/>
+            <a:r>
+              <a:rPr lang="zh-CN" sz="2200">
+                <a:solidFill>
+                  <a:srgbClr val="FF0000"/>
+                </a:solidFill>
+                <a:latin typeface="+mn-ea"/>
+                <a:ea typeface="+mn-ea"/>
+              </a:rPr>
+              <a:t>参见实例：</a:t>
+            </a:r>
+            <a:r>
+              <a:rPr lang="en-US" altLang="zh-CN" sz="2200">
+                <a:solidFill>
+                  <a:srgbClr val="FF0000"/>
+                </a:solidFill>
+                <a:latin typeface="+mn-ea"/>
+                <a:ea typeface="+mn-ea"/>
+              </a:rPr>
+              <a:t>.html</a:t>
+            </a:r>
+            <a:endParaRPr lang="en-US" altLang="zh-CN" sz="2200">
+              <a:solidFill>
+                <a:srgbClr val="FF0000"/>
+              </a:solidFill>
+              <a:latin typeface="+mn-ea"/>
+              <a:ea typeface="+mn-ea"/>
+            </a:endParaRPr>
+          </a:p>
+        </p:txBody>
+      </p:sp>
+      <p:sp>
+        <p:nvSpPr>
+          <p:cNvPr id="2" name="内容占位符 1"/>
+          <p:cNvSpPr>
+            <a:spLocks noGrp="1"/>
+          </p:cNvSpPr>
+          <p:nvPr>
+            <p:ph sz="quarter" idx="11"/>
+          </p:nvPr>
+        </p:nvSpPr>
+        <p:spPr>
+          <a:xfrm>
+            <a:off x="947420" y="236855"/>
+            <a:ext cx="9043035" cy="490220"/>
+          </a:xfrm>
+        </p:spPr>
+        <p:txBody>
+          <a:bodyPr/>
+          <a:p>
+            <a:r>
+              <a:rPr kumimoji="0" lang="en-US" altLang="zh-CN" dirty="0"/>
+              <a:t>Canvas </a:t>
+            </a:r>
+            <a:r>
+              <a:rPr kumimoji="0" lang="zh-CN" altLang="en-US" dirty="0"/>
+              <a:t>图像像素级操作</a:t>
+            </a:r>
+            <a:endParaRPr kumimoji="0" lang="zh-CN" altLang="en-US" dirty="0"/>
+          </a:p>
+        </p:txBody>
+      </p:sp>
+    </p:spTree>
+  </p:cSld>
+  <p:clrMapOvr>
+    <a:masterClrMapping/>
+  </p:clrMapOvr>
+</p:sld>
+</file>
+
+<file path=ppt/slides/slide9.xml><?xml version="1.0" encoding="utf-8"?>
+<p:sld xmlns:a="http://schemas.openxmlformats.org/drawingml/2006/main" xmlns:r="http://schemas.openxmlformats.org/officeDocument/2006/relationships" xmlns:p="http://schemas.openxmlformats.org/presentationml/2006/main">
+  <p:cSld>
+    <p:spTree>
+      <p:nvGrpSpPr>
+        <p:cNvPr id="1" name=""/>
+        <p:cNvGrpSpPr/>
+        <p:nvPr/>
+      </p:nvGrpSpPr>
+      <p:grpSpPr>
+        <a:xfrm>
+          <a:off x="0" y="0"/>
+          <a:ext cx="0" cy="0"/>
+          <a:chOff x="0" y="0"/>
+          <a:chExt cx="0" cy="0"/>
+        </a:xfrm>
+      </p:grpSpPr>
+      <p:pic>
+        <p:nvPicPr>
+          <p:cNvPr id="11266" name="Picture 5"/>
+          <p:cNvPicPr>
+            <a:picLocks noChangeAspect="1" noChangeArrowheads="1"/>
+          </p:cNvPicPr>
+          <p:nvPr/>
+        </p:nvPicPr>
+        <p:blipFill>
+          <a:blip r:embed="rId1" cstate="print">
+            <a:extLst>
+              <a:ext uri="{28A0092B-C50C-407E-A947-70E740481C1C}">
+                <a14:useLocalDpi xmlns:a14="http://schemas.microsoft.com/office/drawing/2010/main" val="0"/>
+              </a:ext>
+            </a:extLst>
+          </a:blip>
+          <a:srcRect/>
+          <a:stretch>
+            <a:fillRect/>
+          </a:stretch>
+        </p:blipFill>
+        <p:spPr bwMode="auto">
+          <a:xfrm>
+            <a:off x="0" y="0"/>
+            <a:ext cx="12192000" cy="6858000"/>
+          </a:xfrm>
+          <a:prstGeom prst="rect">
+            <a:avLst/>
+          </a:prstGeom>
+          <a:noFill/>
+          <a:ln>
+            <a:noFill/>
+          </a:ln>
+        </p:spPr>
+      </p:pic>
+      <p:sp>
+        <p:nvSpPr>
+          <p:cNvPr id="11267" name="Rectangle 6"/>
+          <p:cNvSpPr>
+            <a:spLocks noGrp="1" noChangeArrowheads="1"/>
+          </p:cNvSpPr>
+          <p:nvPr>
+            <p:ph type="ctrTitle" idx="4294967295"/>
+          </p:nvPr>
+        </p:nvSpPr>
+        <p:spPr bwMode="auto">
+          <a:xfrm>
+            <a:off x="2095501" y="3143251"/>
+            <a:ext cx="7362825" cy="1285875"/>
+          </a:xfrm>
+          <a:prstGeom prst="rect">
+            <a:avLst/>
+          </a:prstGeom>
+          <a:noFill/>
+        </p:spPr>
+        <p:txBody>
+          <a:bodyPr anchor="b"/>
+          <a:lstStyle/>
+          <a:p>
+            <a:pPr algn="ctr" eaLnBrk="1" hangingPunct="1"/>
+            <a:r>
+              <a:rPr lang="en-US" altLang="zh-CN" sz="5400"/>
+              <a:t>Thank</a:t>
+            </a:r>
+            <a:r>
+              <a:rPr lang="en-US" altLang="zh-CN" sz="5400">
+                <a:solidFill>
+                  <a:schemeClr val="accent3"/>
+                </a:solidFill>
+              </a:rPr>
+              <a:t> You</a:t>
+            </a:r>
+            <a:r>
+              <a:rPr lang="zh-CN" altLang="en-US" sz="5400"/>
+              <a:t>！</a:t>
+            </a:r>
+            <a:endParaRPr lang="zh-CN" altLang="zh-CN" sz="5400"/>
+          </a:p>
+        </p:txBody>
+      </p:sp>
+      <p:pic>
+        <p:nvPicPr>
+          <p:cNvPr id="11268" name="图片 3" descr="软院logo横版.png"/>
+          <p:cNvPicPr>
+            <a:picLocks noChangeAspect="1"/>
+          </p:cNvPicPr>
+          <p:nvPr/>
+        </p:nvPicPr>
+        <p:blipFill>
+          <a:blip r:embed="rId2" cstate="print">
+            <a:extLst>
+              <a:ext uri="{28A0092B-C50C-407E-A947-70E740481C1C}">
+                <a14:useLocalDpi xmlns:a14="http://schemas.microsoft.com/office/drawing/2010/main" val="0"/>
+              </a:ext>
+            </a:extLst>
+          </a:blip>
+          <a:srcRect/>
+          <a:stretch>
+            <a:fillRect/>
+          </a:stretch>
+        </p:blipFill>
+        <p:spPr bwMode="auto">
+          <a:xfrm>
+            <a:off x="2062164" y="5927725"/>
+            <a:ext cx="3381375" cy="527050"/>
+          </a:xfrm>
+          <a:prstGeom prst="rect">
+            <a:avLst/>
+          </a:prstGeom>
+          <a:noFill/>
+          <a:ln>
+            <a:noFill/>
+          </a:ln>
+        </p:spPr>
+      </p:pic>
+    </p:spTree>
+  </p:cSld>
+  <p:clrMapOvr>
+    <a:masterClrMapping/>
+  </p:clrMapOvr>
+  <p:timing>
+    <p:tnLst>
+      <p:par>
+        <p:cTn id="1" dur="indefinite" restart="never" nodeType="tmRoot"/>
+      </p:par>
+    </p:tnLst>
+  </p:timing>
 </p:sld>
 </file>
 

--- a/课程PPT/（03）H5 Canvas图像操作.pptx
+++ b/课程PPT/（03）H5 Canvas图像操作.pptx
@@ -14,9 +14,11 @@
     <p:sldId id="1155" r:id="rId7"/>
     <p:sldId id="1160" r:id="rId8"/>
     <p:sldId id="1157" r:id="rId9"/>
-    <p:sldId id="1161" r:id="rId10"/>
-    <p:sldId id="1158" r:id="rId11"/>
-    <p:sldId id="1162" r:id="rId12"/>
+    <p:sldId id="1165" r:id="rId10"/>
+    <p:sldId id="1161" r:id="rId11"/>
+    <p:sldId id="1167" r:id="rId12"/>
+    <p:sldId id="1166" r:id="rId13"/>
+    <p:sldId id="1162" r:id="rId14"/>
   </p:sldIdLst>
   <p:sldSz cx="12192000" cy="6858000"/>
   <p:notesSz cx="6797675" cy="9928225"/>
@@ -2190,6 +2192,658 @@
 </p:sld>
 </file>
 
+<file path=ppt/slides/slide10.xml><?xml version="1.0" encoding="utf-8"?>
+<p:sld xmlns:a="http://schemas.openxmlformats.org/drawingml/2006/main" xmlns:r="http://schemas.openxmlformats.org/officeDocument/2006/relationships" xmlns:p="http://schemas.openxmlformats.org/presentationml/2006/main">
+  <p:cSld>
+    <p:spTree>
+      <p:nvGrpSpPr>
+        <p:cNvPr id="1" name=""/>
+        <p:cNvGrpSpPr/>
+        <p:nvPr/>
+      </p:nvGrpSpPr>
+      <p:grpSpPr>
+        <a:xfrm>
+          <a:off x="0" y="0"/>
+          <a:ext cx="0" cy="0"/>
+          <a:chOff x="0" y="0"/>
+          <a:chExt cx="0" cy="0"/>
+        </a:xfrm>
+      </p:grpSpPr>
+      <p:sp>
+        <p:nvSpPr>
+          <p:cNvPr id="5122" name="内容占位符 2"/>
+          <p:cNvSpPr>
+            <a:spLocks noGrp="1"/>
+          </p:cNvSpPr>
+          <p:nvPr>
+            <p:ph idx="1"/>
+          </p:nvPr>
+        </p:nvSpPr>
+        <p:spPr>
+          <a:xfrm>
+            <a:off x="896620" y="829945"/>
+            <a:ext cx="10385425" cy="5245100"/>
+          </a:xfrm>
+        </p:spPr>
+        <p:txBody>
+          <a:bodyPr/>
+          <a:lstStyle/>
+          <a:p>
+            <a:pPr>
+              <a:lnSpc>
+                <a:spcPct val="150000"/>
+              </a:lnSpc>
+              <a:spcBef>
+                <a:spcPts val="1000"/>
+              </a:spcBef>
+            </a:pPr>
+            <a:r>
+              <a:rPr lang="en-US" altLang="zh-CN" sz="3200" noProof="1">
+                <a:solidFill>
+                  <a:schemeClr val="tx1"/>
+                </a:solidFill>
+                <a:latin typeface="微软雅黑" panose="020B0503020204020204" pitchFamily="34" charset="-122"/>
+                <a:ea typeface="微软雅黑" panose="020B0503020204020204" pitchFamily="34" charset="-122"/>
+                <a:sym typeface="+mn-ea"/>
+              </a:rPr>
+              <a:t>context</a:t>
+            </a:r>
+            <a:r>
+              <a:rPr lang="zh-CN" altLang="en-US" sz="3200">
+                <a:solidFill>
+                  <a:schemeClr val="tx1"/>
+                </a:solidFill>
+                <a:sym typeface="+mn-ea"/>
+              </a:rPr>
+              <a:t>像素级操作相关</a:t>
+            </a:r>
+            <a:r>
+              <a:rPr lang="zh-CN" altLang="en-US" sz="3200" noProof="1">
+                <a:solidFill>
+                  <a:schemeClr val="tx1"/>
+                </a:solidFill>
+                <a:latin typeface="微软雅黑" panose="020B0503020204020204" pitchFamily="34" charset="-122"/>
+                <a:ea typeface="微软雅黑" panose="020B0503020204020204" pitchFamily="34" charset="-122"/>
+                <a:sym typeface="+mn-ea"/>
+              </a:rPr>
+              <a:t>的方法</a:t>
+            </a:r>
+            <a:br>
+              <a:rPr lang="en-US" altLang="zh-CN" sz="2100" noProof="1">
+                <a:solidFill>
+                  <a:schemeClr val="tx1"/>
+                </a:solidFill>
+                <a:latin typeface="微软雅黑" panose="020B0503020204020204" pitchFamily="34" charset="-122"/>
+                <a:ea typeface="微软雅黑" panose="020B0503020204020204" pitchFamily="34" charset="-122"/>
+                <a:sym typeface="+mn-ea"/>
+              </a:rPr>
+            </a:br>
+            <a:r>
+              <a:rPr lang="en-US" altLang="zh-CN" sz="2100" noProof="1">
+                <a:solidFill>
+                  <a:schemeClr val="tx1"/>
+                </a:solidFill>
+                <a:latin typeface="微软雅黑" panose="020B0503020204020204" pitchFamily="34" charset="-122"/>
+                <a:ea typeface="微软雅黑" panose="020B0503020204020204" pitchFamily="34" charset="-122"/>
+                <a:sym typeface="+mn-ea"/>
+              </a:rPr>
+              <a:t>- </a:t>
+            </a:r>
+            <a:r>
+              <a:rPr lang="en-US" sz="2100" noProof="1">
+                <a:solidFill>
+                  <a:schemeClr val="tx1"/>
+                </a:solidFill>
+                <a:latin typeface="微软雅黑" panose="020B0503020204020204" pitchFamily="34" charset="-122"/>
+                <a:ea typeface="微软雅黑" panose="020B0503020204020204" pitchFamily="34" charset="-122"/>
+                <a:sym typeface="+mn-ea"/>
+              </a:rPr>
+              <a:t>context</a:t>
+            </a:r>
+            <a:r>
+              <a:rPr sz="2100" noProof="1">
+                <a:solidFill>
+                  <a:schemeClr val="tx1"/>
+                </a:solidFill>
+                <a:latin typeface="微软雅黑" panose="020B0503020204020204" pitchFamily="34" charset="-122"/>
+                <a:ea typeface="微软雅黑" panose="020B0503020204020204" pitchFamily="34" charset="-122"/>
+                <a:sym typeface="+mn-ea"/>
+              </a:rPr>
+              <a:t>.getImageData(sx, sy, sw, sh);  </a:t>
+            </a:r>
+            <a:r>
+              <a:rPr lang="en-US" sz="2100" noProof="1">
+                <a:solidFill>
+                  <a:schemeClr val="tx1"/>
+                </a:solidFill>
+                <a:latin typeface="微软雅黑" panose="020B0503020204020204" pitchFamily="34" charset="-122"/>
+                <a:ea typeface="微软雅黑" panose="020B0503020204020204" pitchFamily="34" charset="-122"/>
+                <a:sym typeface="+mn-ea"/>
+              </a:rPr>
+              <a:t>//</a:t>
+            </a:r>
+            <a:r>
+              <a:rPr lang="zh-CN" altLang="en-US" sz="2100" noProof="1">
+                <a:solidFill>
+                  <a:schemeClr val="tx1"/>
+                </a:solidFill>
+                <a:latin typeface="微软雅黑" panose="020B0503020204020204" pitchFamily="34" charset="-122"/>
+                <a:ea typeface="微软雅黑" panose="020B0503020204020204" pitchFamily="34" charset="-122"/>
+                <a:sym typeface="+mn-ea"/>
+              </a:rPr>
+              <a:t>返回</a:t>
+            </a:r>
+            <a:r>
+              <a:rPr sz="2100">
+                <a:solidFill>
+                  <a:schemeClr val="tx1"/>
+                </a:solidFill>
+                <a:sym typeface="+mn-ea"/>
+              </a:rPr>
+              <a:t>ImageData</a:t>
+            </a:r>
+            <a:r>
+              <a:rPr lang="zh-CN" sz="2100">
+                <a:solidFill>
+                  <a:schemeClr val="tx1"/>
+                </a:solidFill>
+                <a:sym typeface="+mn-ea"/>
+              </a:rPr>
+              <a:t>对象</a:t>
+            </a:r>
+            <a:br>
+              <a:rPr lang="en-US" altLang="zh-CN" sz="2100" noProof="1">
+                <a:solidFill>
+                  <a:schemeClr val="tx1"/>
+                </a:solidFill>
+                <a:latin typeface="微软雅黑" panose="020B0503020204020204" pitchFamily="34" charset="-122"/>
+                <a:ea typeface="微软雅黑" panose="020B0503020204020204" pitchFamily="34" charset="-122"/>
+                <a:sym typeface="+mn-ea"/>
+              </a:rPr>
+            </a:br>
+            <a:r>
+              <a:rPr lang="en-US" altLang="zh-CN" sz="2100" noProof="1">
+                <a:solidFill>
+                  <a:schemeClr val="tx1"/>
+                </a:solidFill>
+                <a:latin typeface="微软雅黑" panose="020B0503020204020204" pitchFamily="34" charset="-122"/>
+                <a:ea typeface="微软雅黑" panose="020B0503020204020204" pitchFamily="34" charset="-122"/>
+                <a:sym typeface="+mn-ea"/>
+              </a:rPr>
+              <a:t>- </a:t>
+            </a:r>
+            <a:r>
+              <a:rPr lang="en-US" altLang="zh-CN" sz="2100">
+                <a:solidFill>
+                  <a:schemeClr val="tx1"/>
+                </a:solidFill>
+                <a:sym typeface="+mn-ea"/>
+              </a:rPr>
+              <a:t>context.</a:t>
+            </a:r>
+            <a:r>
+              <a:rPr lang="en-US" altLang="zh-CN" sz="2100" noProof="1">
+                <a:solidFill>
+                  <a:schemeClr val="tx1"/>
+                </a:solidFill>
+                <a:latin typeface="微软雅黑" panose="020B0503020204020204" pitchFamily="34" charset="-122"/>
+                <a:ea typeface="微软雅黑" panose="020B0503020204020204" pitchFamily="34" charset="-122"/>
+                <a:sym typeface="+mn-ea"/>
+              </a:rPr>
+              <a:t>putImageData(imagedata, dx, dy);</a:t>
+            </a:r>
+            <a:br>
+              <a:rPr lang="en-US" altLang="zh-CN" sz="2100" noProof="1">
+                <a:solidFill>
+                  <a:schemeClr val="tx1"/>
+                </a:solidFill>
+                <a:latin typeface="微软雅黑" panose="020B0503020204020204" pitchFamily="34" charset="-122"/>
+                <a:ea typeface="微软雅黑" panose="020B0503020204020204" pitchFamily="34" charset="-122"/>
+                <a:sym typeface="+mn-ea"/>
+              </a:rPr>
+            </a:br>
+            <a:r>
+              <a:rPr lang="en-US" altLang="zh-CN" sz="2100">
+                <a:solidFill>
+                  <a:schemeClr val="tx1"/>
+                </a:solidFill>
+                <a:sym typeface="+mn-ea"/>
+              </a:rPr>
+              <a:t>- context.putImageData(imagedata, dx, dy, dirtyX, dirtyY, dirtyWidth, dirtyHeight);</a:t>
+            </a:r>
+            <a:br>
+              <a:rPr lang="en-US" altLang="zh-CN" sz="2100" noProof="1">
+                <a:solidFill>
+                  <a:schemeClr val="tx1"/>
+                </a:solidFill>
+                <a:latin typeface="微软雅黑" panose="020B0503020204020204" pitchFamily="34" charset="-122"/>
+                <a:ea typeface="微软雅黑" panose="020B0503020204020204" pitchFamily="34" charset="-122"/>
+                <a:sym typeface="+mn-ea"/>
+              </a:rPr>
+            </a:br>
+            <a:r>
+              <a:rPr lang="en-US" altLang="zh-CN" sz="2100">
+                <a:solidFill>
+                  <a:schemeClr val="tx1"/>
+                </a:solidFill>
+                <a:sym typeface="+mn-ea"/>
+              </a:rPr>
+              <a:t>- context.createImageData(sw,sh) </a:t>
+            </a:r>
+            <a:r>
+              <a:rPr lang="zh-CN" altLang="en-US" sz="2100">
+                <a:solidFill>
+                  <a:schemeClr val="tx1"/>
+                </a:solidFill>
+                <a:sym typeface="+mn-ea"/>
+              </a:rPr>
+              <a:t>；</a:t>
+            </a:r>
+            <a:br>
+              <a:rPr lang="zh-CN" altLang="en-US" sz="2100">
+                <a:solidFill>
+                  <a:schemeClr val="tx1"/>
+                </a:solidFill>
+                <a:sym typeface="+mn-ea"/>
+              </a:rPr>
+            </a:br>
+            <a:r>
+              <a:rPr lang="en-US" altLang="zh-CN" sz="2100">
+                <a:solidFill>
+                  <a:schemeClr val="tx1"/>
+                </a:solidFill>
+                <a:sym typeface="+mn-ea"/>
+              </a:rPr>
+              <a:t>-</a:t>
+            </a:r>
+            <a:r>
+              <a:rPr lang="zh-CN" altLang="en-US" sz="2100">
+                <a:solidFill>
+                  <a:schemeClr val="tx1"/>
+                </a:solidFill>
+                <a:sym typeface="+mn-ea"/>
+              </a:rPr>
+              <a:t> </a:t>
+            </a:r>
+            <a:r>
+              <a:rPr lang="en-US" altLang="zh-CN" sz="2100">
+                <a:solidFill>
+                  <a:schemeClr val="tx1"/>
+                </a:solidFill>
+                <a:sym typeface="+mn-ea"/>
+              </a:rPr>
+              <a:t>context.createImageData(imageData)</a:t>
+            </a:r>
+            <a:r>
+              <a:rPr lang="zh-CN" altLang="en-US" sz="2100">
+                <a:solidFill>
+                  <a:schemeClr val="tx1"/>
+                </a:solidFill>
+                <a:sym typeface="+mn-ea"/>
+              </a:rPr>
+              <a:t>；</a:t>
+            </a:r>
+            <a:endParaRPr lang="zh-CN" altLang="en-US" sz="2100">
+              <a:solidFill>
+                <a:schemeClr val="tx1"/>
+              </a:solidFill>
+              <a:sym typeface="+mn-ea"/>
+            </a:endParaRPr>
+          </a:p>
+          <a:p>
+            <a:pPr>
+              <a:lnSpc>
+                <a:spcPct val="150000"/>
+              </a:lnSpc>
+              <a:spcBef>
+                <a:spcPts val="1000"/>
+              </a:spcBef>
+            </a:pPr>
+            <a:endParaRPr lang="en-US" altLang="zh-CN" sz="2000" noProof="1">
+              <a:solidFill>
+                <a:schemeClr val="tx1"/>
+              </a:solidFill>
+              <a:latin typeface="微软雅黑" panose="020B0503020204020204" pitchFamily="34" charset="-122"/>
+              <a:ea typeface="微软雅黑" panose="020B0503020204020204" pitchFamily="34" charset="-122"/>
+              <a:sym typeface="+mn-ea"/>
+            </a:endParaRPr>
+          </a:p>
+          <a:p>
+            <a:pPr marL="0" indent="0">
+              <a:buFont typeface="Wingdings 2" panose="05020102010507070707" pitchFamily="18" charset="2"/>
+              <a:buNone/>
+            </a:pPr>
+            <a:endParaRPr lang="en-US" altLang="zh-CN" noProof="1">
+              <a:solidFill>
+                <a:schemeClr val="tx1"/>
+              </a:solidFill>
+              <a:latin typeface="微软雅黑" panose="020B0503020204020204" pitchFamily="34" charset="-122"/>
+              <a:ea typeface="微软雅黑" panose="020B0503020204020204" pitchFamily="34" charset="-122"/>
+            </a:endParaRPr>
+          </a:p>
+        </p:txBody>
+      </p:sp>
+      <p:sp>
+        <p:nvSpPr>
+          <p:cNvPr id="2" name="内容占位符 1"/>
+          <p:cNvSpPr>
+            <a:spLocks noGrp="1"/>
+          </p:cNvSpPr>
+          <p:nvPr>
+            <p:ph sz="quarter" idx="11"/>
+          </p:nvPr>
+        </p:nvSpPr>
+        <p:spPr>
+          <a:xfrm>
+            <a:off x="947420" y="236855"/>
+            <a:ext cx="9043035" cy="490220"/>
+          </a:xfrm>
+        </p:spPr>
+        <p:txBody>
+          <a:bodyPr/>
+          <a:p>
+            <a:r>
+              <a:rPr kumimoji="0" lang="en-US" altLang="zh-CN" dirty="0"/>
+              <a:t>Canvas </a:t>
+            </a:r>
+            <a:r>
+              <a:rPr kumimoji="0" lang="zh-CN" altLang="en-US" dirty="0"/>
+              <a:t>图像像素级操作</a:t>
+            </a:r>
+            <a:endParaRPr kumimoji="0" lang="zh-CN" altLang="en-US" dirty="0"/>
+          </a:p>
+        </p:txBody>
+      </p:sp>
+      <p:sp>
+        <p:nvSpPr>
+          <p:cNvPr id="4" name="文本框 3"/>
+          <p:cNvSpPr txBox="1"/>
+          <p:nvPr/>
+        </p:nvSpPr>
+        <p:spPr>
+          <a:xfrm>
+            <a:off x="1096010" y="4806950"/>
+            <a:ext cx="8893810" cy="1106805"/>
+          </a:xfrm>
+          <a:prstGeom prst="rect">
+            <a:avLst/>
+          </a:prstGeom>
+          <a:noFill/>
+        </p:spPr>
+        <p:txBody>
+          <a:bodyPr wrap="square" rtlCol="0">
+            <a:spAutoFit/>
+          </a:bodyPr>
+          <a:p>
+            <a:pPr algn="l"/>
+            <a:r>
+              <a:rPr lang="en-US" altLang="zh-CN" sz="2200">
+                <a:solidFill>
+                  <a:srgbClr val="FF0000"/>
+                </a:solidFill>
+                <a:latin typeface="+mn-ea"/>
+                <a:ea typeface="+mn-ea"/>
+              </a:rPr>
+              <a:t>Canvas</a:t>
+            </a:r>
+            <a:r>
+              <a:rPr lang="zh-CN" altLang="en-US" sz="2200">
+                <a:solidFill>
+                  <a:srgbClr val="FF0000"/>
+                </a:solidFill>
+                <a:latin typeface="+mn-ea"/>
+                <a:ea typeface="+mn-ea"/>
+              </a:rPr>
+              <a:t>像素操作参考链接</a:t>
+            </a:r>
+            <a:r>
+              <a:rPr lang="zh-CN" sz="2200">
+                <a:solidFill>
+                  <a:srgbClr val="FF0000"/>
+                </a:solidFill>
+                <a:latin typeface="+mn-ea"/>
+                <a:ea typeface="+mn-ea"/>
+              </a:rPr>
+              <a:t>：https://developer.mozilla.org/zh-CN/docs/Web/API/Canvas_API/Tutorial/Pixel_manipulation_with_canvas</a:t>
+            </a:r>
+            <a:endParaRPr lang="zh-CN" sz="2200">
+              <a:solidFill>
+                <a:srgbClr val="FF0000"/>
+              </a:solidFill>
+              <a:latin typeface="+mn-ea"/>
+              <a:ea typeface="+mn-ea"/>
+            </a:endParaRPr>
+          </a:p>
+        </p:txBody>
+      </p:sp>
+      <p:sp>
+        <p:nvSpPr>
+          <p:cNvPr id="3" name="文本框 2"/>
+          <p:cNvSpPr txBox="1"/>
+          <p:nvPr/>
+        </p:nvSpPr>
+        <p:spPr>
+          <a:xfrm>
+            <a:off x="5164455" y="6075045"/>
+            <a:ext cx="5922010" cy="429895"/>
+          </a:xfrm>
+          <a:prstGeom prst="rect">
+            <a:avLst/>
+          </a:prstGeom>
+          <a:noFill/>
+        </p:spPr>
+        <p:txBody>
+          <a:bodyPr wrap="square" rtlCol="0">
+            <a:spAutoFit/>
+          </a:bodyPr>
+          <a:p>
+            <a:pPr algn="l"/>
+            <a:r>
+              <a:rPr lang="zh-CN" sz="2200">
+                <a:solidFill>
+                  <a:srgbClr val="FF0000"/>
+                </a:solidFill>
+                <a:latin typeface="+mn-ea"/>
+                <a:ea typeface="+mn-ea"/>
+              </a:rPr>
+              <a:t>参见实例：</a:t>
+            </a:r>
+            <a:r>
+              <a:rPr lang="en-US" altLang="zh-CN" sz="2200">
+                <a:solidFill>
+                  <a:srgbClr val="FF0000"/>
+                </a:solidFill>
+                <a:latin typeface="+mn-ea"/>
+                <a:ea typeface="+mn-ea"/>
+              </a:rPr>
+              <a:t>LS03_05.html</a:t>
+            </a:r>
+            <a:r>
+              <a:rPr lang="zh-CN" altLang="en-US" sz="2200">
+                <a:solidFill>
+                  <a:srgbClr val="FF0000"/>
+                </a:solidFill>
+                <a:latin typeface="+mn-ea"/>
+                <a:ea typeface="+mn-ea"/>
+              </a:rPr>
+              <a:t>、</a:t>
+            </a:r>
+            <a:r>
+              <a:rPr lang="en-US" altLang="zh-CN" sz="2200">
+                <a:solidFill>
+                  <a:srgbClr val="FF0000"/>
+                </a:solidFill>
+                <a:latin typeface="+mn-ea"/>
+                <a:ea typeface="+mn-ea"/>
+                <a:sym typeface="+mn-ea"/>
+              </a:rPr>
+              <a:t>LS03_06.html</a:t>
+            </a:r>
+            <a:endParaRPr lang="zh-CN" altLang="en-US" sz="2200">
+              <a:solidFill>
+                <a:srgbClr val="FF0000"/>
+              </a:solidFill>
+              <a:latin typeface="+mn-ea"/>
+              <a:ea typeface="+mn-ea"/>
+            </a:endParaRPr>
+          </a:p>
+        </p:txBody>
+      </p:sp>
+    </p:spTree>
+  </p:cSld>
+  <p:clrMapOvr>
+    <a:masterClrMapping/>
+  </p:clrMapOvr>
+</p:sld>
+</file>
+
+<file path=ppt/slides/slide11.xml><?xml version="1.0" encoding="utf-8"?>
+<p:sld xmlns:a="http://schemas.openxmlformats.org/drawingml/2006/main" xmlns:r="http://schemas.openxmlformats.org/officeDocument/2006/relationships" xmlns:p="http://schemas.openxmlformats.org/presentationml/2006/main">
+  <p:cSld>
+    <p:spTree>
+      <p:nvGrpSpPr>
+        <p:cNvPr id="1" name=""/>
+        <p:cNvGrpSpPr/>
+        <p:nvPr/>
+      </p:nvGrpSpPr>
+      <p:grpSpPr>
+        <a:xfrm>
+          <a:off x="0" y="0"/>
+          <a:ext cx="0" cy="0"/>
+          <a:chOff x="0" y="0"/>
+          <a:chExt cx="0" cy="0"/>
+        </a:xfrm>
+      </p:grpSpPr>
+      <p:pic>
+        <p:nvPicPr>
+          <p:cNvPr id="11266" name="Picture 5"/>
+          <p:cNvPicPr>
+            <a:picLocks noChangeAspect="1" noChangeArrowheads="1"/>
+          </p:cNvPicPr>
+          <p:nvPr/>
+        </p:nvPicPr>
+        <p:blipFill>
+          <a:blip r:embed="rId1" cstate="print">
+            <a:extLst>
+              <a:ext uri="{28A0092B-C50C-407E-A947-70E740481C1C}">
+                <a14:useLocalDpi xmlns:a14="http://schemas.microsoft.com/office/drawing/2010/main" val="0"/>
+              </a:ext>
+            </a:extLst>
+          </a:blip>
+          <a:srcRect/>
+          <a:stretch>
+            <a:fillRect/>
+          </a:stretch>
+        </p:blipFill>
+        <p:spPr bwMode="auto">
+          <a:xfrm>
+            <a:off x="0" y="0"/>
+            <a:ext cx="12192000" cy="6858000"/>
+          </a:xfrm>
+          <a:prstGeom prst="rect">
+            <a:avLst/>
+          </a:prstGeom>
+          <a:noFill/>
+          <a:ln>
+            <a:noFill/>
+          </a:ln>
+        </p:spPr>
+      </p:pic>
+      <p:sp>
+        <p:nvSpPr>
+          <p:cNvPr id="11267" name="Rectangle 6"/>
+          <p:cNvSpPr>
+            <a:spLocks noGrp="1" noChangeArrowheads="1"/>
+          </p:cNvSpPr>
+          <p:nvPr>
+            <p:ph type="ctrTitle" idx="4294967295"/>
+          </p:nvPr>
+        </p:nvSpPr>
+        <p:spPr bwMode="auto">
+          <a:xfrm>
+            <a:off x="2095501" y="3143251"/>
+            <a:ext cx="7362825" cy="1285875"/>
+          </a:xfrm>
+          <a:prstGeom prst="rect">
+            <a:avLst/>
+          </a:prstGeom>
+          <a:noFill/>
+        </p:spPr>
+        <p:txBody>
+          <a:bodyPr anchor="b"/>
+          <a:lstStyle/>
+          <a:p>
+            <a:pPr algn="ctr" eaLnBrk="1" hangingPunct="1"/>
+            <a:r>
+              <a:rPr lang="en-US" altLang="zh-CN" sz="5400"/>
+              <a:t>Thank</a:t>
+            </a:r>
+            <a:r>
+              <a:rPr lang="en-US" altLang="zh-CN" sz="5400">
+                <a:solidFill>
+                  <a:schemeClr val="accent3"/>
+                </a:solidFill>
+              </a:rPr>
+              <a:t> You</a:t>
+            </a:r>
+            <a:r>
+              <a:rPr lang="zh-CN" altLang="en-US" sz="5400"/>
+              <a:t>！</a:t>
+            </a:r>
+            <a:endParaRPr lang="zh-CN" altLang="zh-CN" sz="5400"/>
+          </a:p>
+        </p:txBody>
+      </p:sp>
+      <p:pic>
+        <p:nvPicPr>
+          <p:cNvPr id="11268" name="图片 3" descr="软院logo横版.png"/>
+          <p:cNvPicPr>
+            <a:picLocks noChangeAspect="1"/>
+          </p:cNvPicPr>
+          <p:nvPr/>
+        </p:nvPicPr>
+        <p:blipFill>
+          <a:blip r:embed="rId2" cstate="print">
+            <a:extLst>
+              <a:ext uri="{28A0092B-C50C-407E-A947-70E740481C1C}">
+                <a14:useLocalDpi xmlns:a14="http://schemas.microsoft.com/office/drawing/2010/main" val="0"/>
+              </a:ext>
+            </a:extLst>
+          </a:blip>
+          <a:srcRect/>
+          <a:stretch>
+            <a:fillRect/>
+          </a:stretch>
+        </p:blipFill>
+        <p:spPr bwMode="auto">
+          <a:xfrm>
+            <a:off x="2062164" y="5927725"/>
+            <a:ext cx="3381375" cy="527050"/>
+          </a:xfrm>
+          <a:prstGeom prst="rect">
+            <a:avLst/>
+          </a:prstGeom>
+          <a:noFill/>
+          <a:ln>
+            <a:noFill/>
+          </a:ln>
+        </p:spPr>
+      </p:pic>
+    </p:spTree>
+  </p:cSld>
+  <p:clrMapOvr>
+    <a:masterClrMapping/>
+  </p:clrMapOvr>
+  <p:timing>
+    <p:tnLst>
+      <p:par>
+        <p:cTn id="1" dur="indefinite" restart="never" nodeType="tmRoot"/>
+      </p:par>
+    </p:tnLst>
+  </p:timing>
+</p:sld>
+</file>
+
 <file path=ppt/slides/slide2.xml><?xml version="1.0" encoding="utf-8"?>
 <p:sld xmlns:a="http://schemas.openxmlformats.org/drawingml/2006/main" xmlns:r="http://schemas.openxmlformats.org/officeDocument/2006/relationships" xmlns:p="http://schemas.openxmlformats.org/presentationml/2006/main">
   <p:cSld>
@@ -3914,6 +4568,17 @@
               </a:spcBef>
             </a:pPr>
             <a:r>
+              <a:rPr lang="zh-CN" altLang="en-US" sz="3200" noProof="1">
+                <a:solidFill>
+                  <a:schemeClr val="tx1"/>
+                </a:solidFill>
+                <a:latin typeface="微软雅黑" panose="020B0503020204020204" pitchFamily="34" charset="-122"/>
+                <a:ea typeface="微软雅黑" panose="020B0503020204020204" pitchFamily="34" charset="-122"/>
+                <a:sym typeface="+mn-ea"/>
+              </a:rPr>
+              <a:t>离屏</a:t>
+            </a:r>
+            <a:r>
               <a:rPr lang="en-US" altLang="zh-CN" sz="3200" noProof="1">
                 <a:solidFill>
                   <a:schemeClr val="tx1"/>
@@ -3922,7 +4587,7 @@
                 <a:ea typeface="微软雅黑" panose="020B0503020204020204" pitchFamily="34" charset="-122"/>
                 <a:sym typeface="+mn-ea"/>
               </a:rPr>
-              <a:t>context</a:t>
+              <a:t>Canvas</a:t>
             </a:r>
             <a:r>
               <a:rPr lang="zh-CN" altLang="en-US" sz="3200" noProof="1">
@@ -3933,7 +4598,7 @@
                 <a:ea typeface="微软雅黑" panose="020B0503020204020204" pitchFamily="34" charset="-122"/>
                 <a:sym typeface="+mn-ea"/>
               </a:rPr>
-              <a:t>绘制图像案例</a:t>
+              <a:t>案例（实现离屏水印效果）</a:t>
             </a:r>
             <a:br>
               <a:rPr lang="zh-CN" altLang="en-US" sz="2800" noProof="1">
@@ -4052,9 +4717,261 @@
           </a:p>
         </p:txBody>
       </p:sp>
+      <p:graphicFrame>
+        <p:nvGraphicFramePr>
+          <p:cNvPr id="4" name="对象 3"/>
+          <p:cNvGraphicFramePr/>
+          <p:nvPr/>
+        </p:nvGraphicFramePr>
+        <p:xfrm>
+          <a:off x="2765425" y="1594485"/>
+          <a:ext cx="6647815" cy="4408805"/>
+        </p:xfrm>
+        <a:graphic>
+          <a:graphicData uri="http://schemas.openxmlformats.org/presentationml/2006/ole">
+            <mc:AlternateContent xmlns:mc="http://schemas.openxmlformats.org/markup-compatibility/2006">
+              <mc:Choice xmlns:v="urn:schemas-microsoft-com:vml" Requires="v">
+                <p:oleObj spid="_x0000_s6" name="" r:id="rId1" imgW="8201025" imgH="5438775" progId="Paint.Picture">
+                  <p:embed/>
+                </p:oleObj>
+              </mc:Choice>
+              <mc:Fallback>
+                <p:oleObj name="" r:id="rId1" imgW="8201025" imgH="5438775" progId="Paint.Picture">
+                  <p:embed/>
+                  <p:pic>
+                    <p:nvPicPr>
+                      <p:cNvPr id="0" name="图片 5"/>
+                      <p:cNvPicPr/>
+                      <p:nvPr/>
+                    </p:nvPicPr>
+                    <p:blipFill>
+                      <a:blip r:embed="rId2"/>
+                      <a:stretch>
+                        <a:fillRect/>
+                      </a:stretch>
+                    </p:blipFill>
+                    <p:spPr>
+                      <a:xfrm>
+                        <a:off x="2765425" y="1594485"/>
+                        <a:ext cx="6647815" cy="4408805"/>
+                      </a:xfrm>
+                      <a:prstGeom prst="rect">
+                        <a:avLst/>
+                      </a:prstGeom>
+                    </p:spPr>
+                  </p:pic>
+                </p:oleObj>
+              </mc:Fallback>
+            </mc:AlternateContent>
+          </a:graphicData>
+        </a:graphic>
+      </p:graphicFrame>
+    </p:spTree>
+  </p:cSld>
+  <p:clrMapOvr>
+    <a:masterClrMapping/>
+  </p:clrMapOvr>
+</p:sld>
+</file>
+
+<file path=ppt/slides/slide7.xml><?xml version="1.0" encoding="utf-8"?>
+<p:sld xmlns:a="http://schemas.openxmlformats.org/drawingml/2006/main" xmlns:r="http://schemas.openxmlformats.org/officeDocument/2006/relationships" xmlns:p="http://schemas.openxmlformats.org/presentationml/2006/main">
+  <p:cSld>
+    <p:spTree>
+      <p:nvGrpSpPr>
+        <p:cNvPr id="1" name=""/>
+        <p:cNvGrpSpPr/>
+        <p:nvPr/>
+      </p:nvGrpSpPr>
+      <p:grpSpPr>
+        <a:xfrm>
+          <a:off x="0" y="0"/>
+          <a:ext cx="0" cy="0"/>
+          <a:chOff x="0" y="0"/>
+          <a:chExt cx="0" cy="0"/>
+        </a:xfrm>
+      </p:grpSpPr>
+      <p:sp>
+        <p:nvSpPr>
+          <p:cNvPr id="5122" name="内容占位符 2"/>
+          <p:cNvSpPr>
+            <a:spLocks noGrp="1"/>
+          </p:cNvSpPr>
+          <p:nvPr>
+            <p:ph idx="1"/>
+          </p:nvPr>
+        </p:nvSpPr>
+        <p:spPr>
+          <a:xfrm>
+            <a:off x="896620" y="829945"/>
+            <a:ext cx="10385425" cy="5245100"/>
+          </a:xfrm>
+        </p:spPr>
+        <p:txBody>
+          <a:bodyPr/>
+          <a:lstStyle/>
+          <a:p>
+            <a:pPr>
+              <a:lnSpc>
+                <a:spcPct val="150000"/>
+              </a:lnSpc>
+              <a:spcBef>
+                <a:spcPts val="1000"/>
+              </a:spcBef>
+            </a:pPr>
+            <a:r>
+              <a:rPr lang="zh-CN" altLang="en-US" sz="3200" noProof="1">
+                <a:solidFill>
+                  <a:schemeClr val="tx1"/>
+                </a:solidFill>
+                <a:latin typeface="微软雅黑" panose="020B0503020204020204" pitchFamily="34" charset="-122"/>
+                <a:ea typeface="微软雅黑" panose="020B0503020204020204" pitchFamily="34" charset="-122"/>
+                <a:sym typeface="+mn-ea"/>
+              </a:rPr>
+              <a:t>交互</a:t>
+            </a:r>
+            <a:r>
+              <a:rPr lang="en-US" altLang="zh-CN" sz="3200" noProof="1">
+                <a:solidFill>
+                  <a:schemeClr val="tx1"/>
+                </a:solidFill>
+                <a:latin typeface="微软雅黑" panose="020B0503020204020204" pitchFamily="34" charset="-122"/>
+                <a:ea typeface="微软雅黑" panose="020B0503020204020204" pitchFamily="34" charset="-122"/>
+                <a:sym typeface="+mn-ea"/>
+              </a:rPr>
+              <a:t>Canvas</a:t>
+            </a:r>
+            <a:r>
+              <a:rPr lang="zh-CN" altLang="en-US" sz="3200" noProof="1">
+                <a:solidFill>
+                  <a:schemeClr val="tx1"/>
+                </a:solidFill>
+                <a:latin typeface="微软雅黑" panose="020B0503020204020204" pitchFamily="34" charset="-122"/>
+                <a:ea typeface="微软雅黑" panose="020B0503020204020204" pitchFamily="34" charset="-122"/>
+                <a:sym typeface="+mn-ea"/>
+              </a:rPr>
+              <a:t>案例（实现放大镜效果）</a:t>
+            </a:r>
+            <a:br>
+              <a:rPr lang="zh-CN" altLang="en-US" sz="2800" noProof="1">
+                <a:solidFill>
+                  <a:schemeClr val="tx1"/>
+                </a:solidFill>
+                <a:latin typeface="微软雅黑" panose="020B0503020204020204" pitchFamily="34" charset="-122"/>
+                <a:ea typeface="微软雅黑" panose="020B0503020204020204" pitchFamily="34" charset="-122"/>
+                <a:sym typeface="+mn-ea"/>
+              </a:rPr>
+            </a:br>
+            <a:endParaRPr lang="zh-CN" altLang="en-US" sz="2000" noProof="1">
+              <a:solidFill>
+                <a:schemeClr val="tx1"/>
+              </a:solidFill>
+              <a:latin typeface="微软雅黑" panose="020B0503020204020204" pitchFamily="34" charset="-122"/>
+              <a:ea typeface="微软雅黑" panose="020B0503020204020204" pitchFamily="34" charset="-122"/>
+              <a:sym typeface="+mn-ea"/>
+            </a:endParaRPr>
+          </a:p>
+          <a:p>
+            <a:pPr marL="0" indent="0">
+              <a:buFont typeface="Wingdings 2" panose="05020102010507070707" pitchFamily="18" charset="2"/>
+              <a:buNone/>
+            </a:pPr>
+            <a:endParaRPr lang="en-US" altLang="zh-CN" noProof="1">
+              <a:solidFill>
+                <a:schemeClr val="tx1"/>
+              </a:solidFill>
+              <a:latin typeface="微软雅黑" panose="020B0503020204020204" pitchFamily="34" charset="-122"/>
+              <a:ea typeface="微软雅黑" panose="020B0503020204020204" pitchFamily="34" charset="-122"/>
+            </a:endParaRPr>
+          </a:p>
+        </p:txBody>
+      </p:sp>
+      <p:sp>
+        <p:nvSpPr>
+          <p:cNvPr id="5" name="文本框 4"/>
+          <p:cNvSpPr txBox="1"/>
+          <p:nvPr/>
+        </p:nvSpPr>
+        <p:spPr>
+          <a:xfrm>
+            <a:off x="6143625" y="6075045"/>
+            <a:ext cx="4224020" cy="429895"/>
+          </a:xfrm>
+          <a:prstGeom prst="rect">
+            <a:avLst/>
+          </a:prstGeom>
+          <a:noFill/>
+        </p:spPr>
+        <p:txBody>
+          <a:bodyPr wrap="square" rtlCol="0">
+            <a:spAutoFit/>
+          </a:bodyPr>
+          <a:p>
+            <a:pPr algn="l"/>
+            <a:r>
+              <a:rPr lang="zh-CN" sz="2200">
+                <a:solidFill>
+                  <a:srgbClr val="FF0000"/>
+                </a:solidFill>
+                <a:latin typeface="+mn-ea"/>
+                <a:ea typeface="+mn-ea"/>
+              </a:rPr>
+              <a:t>参见实例：</a:t>
+            </a:r>
+            <a:r>
+              <a:rPr lang="en-US" altLang="zh-CN" sz="2200">
+                <a:solidFill>
+                  <a:srgbClr val="FF0000"/>
+                </a:solidFill>
+                <a:latin typeface="+mn-ea"/>
+                <a:ea typeface="+mn-ea"/>
+              </a:rPr>
+              <a:t>LS03_04.html</a:t>
+            </a:r>
+            <a:endParaRPr lang="en-US" altLang="zh-CN" sz="2200">
+              <a:solidFill>
+                <a:srgbClr val="FF0000"/>
+              </a:solidFill>
+              <a:latin typeface="+mn-ea"/>
+              <a:ea typeface="+mn-ea"/>
+            </a:endParaRPr>
+          </a:p>
+        </p:txBody>
+      </p:sp>
+      <p:sp>
+        <p:nvSpPr>
+          <p:cNvPr id="2" name="内容占位符 1"/>
+          <p:cNvSpPr>
+            <a:spLocks noGrp="1"/>
+          </p:cNvSpPr>
+          <p:nvPr>
+            <p:ph sz="quarter" idx="11"/>
+          </p:nvPr>
+        </p:nvSpPr>
+        <p:spPr>
+          <a:xfrm>
+            <a:off x="947420" y="236855"/>
+            <a:ext cx="9043035" cy="490220"/>
+          </a:xfrm>
+        </p:spPr>
+        <p:txBody>
+          <a:bodyPr/>
+          <a:p>
+            <a:r>
+              <a:rPr kumimoji="0" lang="en-US" altLang="zh-CN" dirty="0"/>
+              <a:t>Canvas </a:t>
+            </a:r>
+            <a:r>
+              <a:rPr kumimoji="0" lang="zh-CN" altLang="en-US" dirty="0"/>
+              <a:t>图像案例</a:t>
+            </a:r>
+            <a:endParaRPr kumimoji="0" lang="zh-CN" altLang="en-US" dirty="0"/>
+          </a:p>
+        </p:txBody>
+      </p:sp>
       <p:pic>
         <p:nvPicPr>
-          <p:cNvPr id="4" name="图片 3" descr="ZKOH)EJW)5LDHW4_NG_$A8N"/>
+          <p:cNvPr id="3" name="图片 2" descr="无标题"/>
           <p:cNvPicPr>
             <a:picLocks noChangeAspect="1"/>
           </p:cNvPicPr>
@@ -4068,8 +4985,8 @@
         </p:blipFill>
         <p:spPr>
           <a:xfrm>
-            <a:off x="1231265" y="1724660"/>
-            <a:ext cx="9436100" cy="4092575"/>
+            <a:off x="2349500" y="1767205"/>
+            <a:ext cx="6515100" cy="4033520"/>
           </a:xfrm>
           <a:prstGeom prst="rect">
             <a:avLst/>
@@ -4084,7 +5001,7 @@
 </p:sld>
 </file>
 
-<file path=ppt/slides/slide7.xml><?xml version="1.0" encoding="utf-8"?>
+<file path=ppt/slides/slide8.xml><?xml version="1.0" encoding="utf-8"?>
 <p:sld xmlns:a="http://schemas.openxmlformats.org/drawingml/2006/main" xmlns:r="http://schemas.openxmlformats.org/officeDocument/2006/relationships" xmlns:p="http://schemas.openxmlformats.org/presentationml/2006/main">
   <p:cSld>
     <p:spTree>
@@ -4591,7 +5508,7 @@
 </p:sld>
 </file>
 
-<file path=ppt/slides/slide8.xml><?xml version="1.0" encoding="utf-8"?>
+<file path=ppt/slides/slide9.xml><?xml version="1.0" encoding="utf-8"?>
 <p:sld xmlns:a="http://schemas.openxmlformats.org/drawingml/2006/main" xmlns:r="http://schemas.openxmlformats.org/officeDocument/2006/relationships" xmlns:p="http://schemas.openxmlformats.org/presentationml/2006/main">
   <p:cSld>
     <p:spTree>
@@ -4645,18 +5562,9 @@
                 <a:ea typeface="微软雅黑" panose="020B0503020204020204" pitchFamily="34" charset="-122"/>
                 <a:sym typeface="+mn-ea"/>
               </a:rPr>
-              <a:t>context</a:t>
-            </a:r>
-            <a:r>
-              <a:rPr lang="zh-CN" altLang="en-US" sz="3200">
-                <a:solidFill>
-                  <a:schemeClr val="tx1"/>
-                </a:solidFill>
-                <a:sym typeface="+mn-ea"/>
-              </a:rPr>
-              <a:t>像素级操作相关</a:t>
-            </a:r>
-            <a:r>
+              <a:t>ImageData</a:t>
+            </a:r>
+            <a:br>
               <a:rPr lang="zh-CN" altLang="en-US" sz="3200" noProof="1">
                 <a:solidFill>
                   <a:schemeClr val="tx1"/>
@@ -4665,10 +5573,31 @@
                 <a:ea typeface="微软雅黑" panose="020B0503020204020204" pitchFamily="34" charset="-122"/>
                 <a:sym typeface="+mn-ea"/>
               </a:rPr>
-              <a:t>的方法</a:t>
+            </a:br>
+            <a:r>
+              <a:rPr lang="en-US" altLang="zh-CN" sz="2000" noProof="1">
+                <a:solidFill>
+                  <a:schemeClr val="tx1"/>
+                </a:solidFill>
+                <a:latin typeface="微软雅黑" panose="020B0503020204020204" pitchFamily="34" charset="-122"/>
+                <a:ea typeface="微软雅黑" panose="020B0503020204020204" pitchFamily="34" charset="-122"/>
+                <a:sym typeface="+mn-ea"/>
+              </a:rPr>
+              <a:t>- </a:t>
+            </a:r>
+            <a:r>
+              <a:rPr sz="2000" noProof="1">
+                <a:solidFill>
+                  <a:schemeClr val="tx1"/>
+                </a:solidFill>
+                <a:latin typeface="微软雅黑" panose="020B0503020204020204" pitchFamily="34" charset="-122"/>
+                <a:ea typeface="微软雅黑" panose="020B0503020204020204" pitchFamily="34" charset="-122"/>
+                <a:sym typeface="+mn-ea"/>
+              </a:rPr>
+              <a:t>ImageData 描述 &lt;canvas&gt; 元素的一个隐含像素数据的区域。使用 ImageData() 构造</a:t>
             </a:r>
             <a:br>
-              <a:rPr lang="zh-CN" altLang="en-US" sz="2800" noProof="1">
+              <a:rPr sz="2000" noProof="1">
                 <a:solidFill>
                   <a:schemeClr val="tx1"/>
                 </a:solidFill>
@@ -4678,18 +5607,18 @@
               </a:rPr>
             </a:br>
             <a:r>
-              <a:rPr lang="en-US" altLang="zh-CN" sz="2100" noProof="1">
-                <a:solidFill>
-                  <a:schemeClr val="tx1"/>
-                </a:solidFill>
-                <a:latin typeface="微软雅黑" panose="020B0503020204020204" pitchFamily="34" charset="-122"/>
-                <a:ea typeface="微软雅黑" panose="020B0503020204020204" pitchFamily="34" charset="-122"/>
-                <a:sym typeface="+mn-ea"/>
-              </a:rPr>
-              <a:t>- createImageData(sw,sh)</a:t>
+              <a:rPr sz="2000" noProof="1">
+                <a:solidFill>
+                  <a:schemeClr val="tx1"/>
+                </a:solidFill>
+                <a:latin typeface="微软雅黑" panose="020B0503020204020204" pitchFamily="34" charset="-122"/>
+                <a:ea typeface="微软雅黑" panose="020B0503020204020204" pitchFamily="34" charset="-122"/>
+                <a:sym typeface="+mn-ea"/>
+              </a:rPr>
+              <a:t>   函数创建或者使用和 canvas 在一起的 CanvasRenderingContext2D 对象的创建方法</a:t>
             </a:r>
             <a:br>
-              <a:rPr lang="en-US" altLang="zh-CN" sz="2100" noProof="1">
+              <a:rPr sz="2000" noProof="1">
                 <a:solidFill>
                   <a:schemeClr val="tx1"/>
                 </a:solidFill>
@@ -4699,27 +5628,18 @@
               </a:rPr>
             </a:br>
             <a:r>
-              <a:rPr lang="en-US" altLang="zh-CN" sz="2100" noProof="1">
-                <a:solidFill>
-                  <a:schemeClr val="tx1"/>
-                </a:solidFill>
-                <a:latin typeface="微软雅黑" panose="020B0503020204020204" pitchFamily="34" charset="-122"/>
-                <a:ea typeface="微软雅黑" panose="020B0503020204020204" pitchFamily="34" charset="-122"/>
-                <a:sym typeface="+mn-ea"/>
-              </a:rPr>
-              <a:t>- </a:t>
-            </a:r>
-            <a:r>
-              <a:rPr lang="en-US" altLang="zh-CN" sz="2100">
-                <a:solidFill>
-                  <a:schemeClr val="tx1"/>
-                </a:solidFill>
-                <a:sym typeface="+mn-ea"/>
-              </a:rPr>
-              <a:t>createImageData(imageData)</a:t>
+              <a:rPr sz="2000" noProof="1">
+                <a:solidFill>
+                  <a:schemeClr val="tx1"/>
+                </a:solidFill>
+                <a:latin typeface="微软雅黑" panose="020B0503020204020204" pitchFamily="34" charset="-122"/>
+                <a:ea typeface="微软雅黑" panose="020B0503020204020204" pitchFamily="34" charset="-122"/>
+                <a:sym typeface="+mn-ea"/>
+              </a:rPr>
+              <a:t>   createImageData() 和 getImageData()。也可以使用 putImageData() 设置 canvas </a:t>
             </a:r>
             <a:br>
-              <a:rPr lang="en-US" altLang="zh-CN" sz="2100" noProof="1">
+              <a:rPr sz="2000" noProof="1">
                 <a:solidFill>
                   <a:schemeClr val="tx1"/>
                 </a:solidFill>
@@ -4729,38 +5649,17 @@
               </a:rPr>
             </a:br>
             <a:r>
-              <a:rPr lang="en-US" altLang="zh-CN" sz="2100" noProof="1">
-                <a:solidFill>
-                  <a:schemeClr val="tx1"/>
-                </a:solidFill>
-                <a:latin typeface="微软雅黑" panose="020B0503020204020204" pitchFamily="34" charset="-122"/>
-                <a:ea typeface="微软雅黑" panose="020B0503020204020204" pitchFamily="34" charset="-122"/>
-                <a:sym typeface="+mn-ea"/>
-              </a:rPr>
-              <a:t>- getImageData(sx,sy,sw,sh)</a:t>
-            </a:r>
-            <a:br>
-              <a:rPr lang="en-US" altLang="zh-CN" sz="2100" noProof="1">
-                <a:solidFill>
-                  <a:schemeClr val="tx1"/>
-                </a:solidFill>
-                <a:latin typeface="微软雅黑" panose="020B0503020204020204" pitchFamily="34" charset="-122"/>
-                <a:ea typeface="微软雅黑" panose="020B0503020204020204" pitchFamily="34" charset="-122"/>
-                <a:sym typeface="+mn-ea"/>
-              </a:rPr>
-            </a:br>
-            <a:r>
-              <a:rPr lang="en-US" altLang="zh-CN" sz="2100" noProof="1">
-                <a:solidFill>
-                  <a:schemeClr val="tx1"/>
-                </a:solidFill>
-                <a:latin typeface="微软雅黑" panose="020B0503020204020204" pitchFamily="34" charset="-122"/>
-                <a:ea typeface="微软雅黑" panose="020B0503020204020204" pitchFamily="34" charset="-122"/>
-                <a:sym typeface="+mn-ea"/>
-              </a:rPr>
-              <a:t>- putImageData( )</a:t>
-            </a:r>
-            <a:endParaRPr lang="en-US" altLang="zh-CN" sz="2100" noProof="1">
+              <a:rPr sz="2000" noProof="1">
+                <a:solidFill>
+                  <a:schemeClr val="tx1"/>
+                </a:solidFill>
+                <a:latin typeface="微软雅黑" panose="020B0503020204020204" pitchFamily="34" charset="-122"/>
+                <a:ea typeface="微软雅黑" panose="020B0503020204020204" pitchFamily="34" charset="-122"/>
+                <a:sym typeface="+mn-ea"/>
+              </a:rPr>
+              <a:t>   的一部分</a:t>
+            </a:r>
+            <a:endParaRPr sz="2000" noProof="1">
               <a:solidFill>
                 <a:schemeClr val="tx1"/>
               </a:solidFill>
@@ -4779,82 +5678,158 @@
               </a:spcBef>
             </a:pPr>
             <a:r>
-              <a:rPr lang="en-US" altLang="zh-CN" sz="3200" noProof="1">
+              <a:rPr sz="2800">
+                <a:solidFill>
+                  <a:schemeClr val="tx1"/>
+                </a:solidFill>
+                <a:sym typeface="+mn-ea"/>
+              </a:rPr>
+              <a:t>ImageData</a:t>
+            </a:r>
+            <a:r>
+              <a:rPr lang="zh-CN" sz="2800">
+                <a:solidFill>
+                  <a:schemeClr val="tx1"/>
+                </a:solidFill>
+                <a:sym typeface="+mn-ea"/>
+              </a:rPr>
+              <a:t>对象属性</a:t>
+            </a:r>
+            <a:br>
+              <a:rPr sz="2000">
+                <a:solidFill>
+                  <a:schemeClr val="tx1"/>
+                </a:solidFill>
+                <a:sym typeface="+mn-ea"/>
+              </a:rPr>
+            </a:br>
+            <a:r>
+              <a:rPr lang="en-US" sz="2000">
+                <a:solidFill>
+                  <a:schemeClr val="tx1"/>
+                </a:solidFill>
+                <a:sym typeface="+mn-ea"/>
+              </a:rPr>
+              <a:t>- data</a:t>
+            </a:r>
+            <a:r>
+              <a:rPr lang="zh-CN" altLang="en-US" sz="2000">
+                <a:solidFill>
+                  <a:schemeClr val="tx1"/>
+                </a:solidFill>
+                <a:sym typeface="+mn-ea"/>
+              </a:rPr>
+              <a:t>（Uint8ClampedArray 描述了一个</a:t>
+            </a:r>
+            <a:r>
+              <a:rPr lang="zh-CN" altLang="en-US" sz="2000">
                 <a:solidFill>
                   <a:srgbClr val="FF0000"/>
                 </a:solidFill>
-                <a:latin typeface="微软雅黑" panose="020B0503020204020204" pitchFamily="34" charset="-122"/>
-                <a:ea typeface="微软雅黑" panose="020B0503020204020204" pitchFamily="34" charset="-122"/>
-                <a:sym typeface="+mn-ea"/>
-              </a:rPr>
-              <a:t>image</a:t>
+                <a:sym typeface="+mn-ea"/>
+              </a:rPr>
+              <a:t>一维数组</a:t>
+            </a:r>
+            <a:r>
+              <a:rPr lang="zh-CN" altLang="en-US" sz="2000">
+                <a:solidFill>
+                  <a:schemeClr val="tx1"/>
+                </a:solidFill>
+                <a:sym typeface="+mn-ea"/>
+              </a:rPr>
+              <a:t>，包含以 </a:t>
+            </a:r>
+            <a:r>
+              <a:rPr lang="zh-CN" altLang="en-US" sz="2000">
+                <a:solidFill>
+                  <a:srgbClr val="FF0000"/>
+                </a:solidFill>
+                <a:sym typeface="+mn-ea"/>
+              </a:rPr>
+              <a:t>RGBA 顺序</a:t>
+            </a:r>
+            <a:r>
+              <a:rPr lang="zh-CN" altLang="en-US" sz="2000">
+                <a:solidFill>
+                  <a:schemeClr val="tx1"/>
+                </a:solidFill>
+                <a:sym typeface="+mn-ea"/>
+              </a:rPr>
+              <a:t>的数据 </a:t>
+            </a:r>
+            <a:r>
+              <a:rPr lang="en-US" altLang="zh-CN" sz="2000">
+                <a:solidFill>
+                  <a:srgbClr val="FF0000"/>
+                </a:solidFill>
+                <a:sym typeface="+mn-ea"/>
+              </a:rPr>
+              <a:t>0~255</a:t>
+            </a:r>
+            <a:r>
+              <a:rPr lang="zh-CN" altLang="en-US" sz="2000">
+                <a:solidFill>
+                  <a:schemeClr val="tx1"/>
+                </a:solidFill>
+                <a:sym typeface="+mn-ea"/>
+              </a:rPr>
+              <a:t>）</a:t>
             </a:r>
             <a:br>
-              <a:rPr lang="zh-CN" altLang="en-US" sz="3200" noProof="1">
-                <a:solidFill>
-                  <a:srgbClr val="FF0000"/>
-                </a:solidFill>
-                <a:latin typeface="微软雅黑" panose="020B0503020204020204" pitchFamily="34" charset="-122"/>
-                <a:ea typeface="微软雅黑" panose="020B0503020204020204" pitchFamily="34" charset="-122"/>
+              <a:rPr lang="zh-CN" altLang="en-US" sz="2000">
+                <a:solidFill>
+                  <a:schemeClr val="tx1"/>
+                </a:solidFill>
                 <a:sym typeface="+mn-ea"/>
               </a:rPr>
             </a:br>
             <a:r>
-              <a:rPr lang="en-US" altLang="zh-CN" sz="2000" noProof="1">
-                <a:solidFill>
-                  <a:srgbClr val="FF0000"/>
-                </a:solidFill>
-                <a:latin typeface="微软雅黑" panose="020B0503020204020204" pitchFamily="34" charset="-122"/>
-                <a:ea typeface="微软雅黑" panose="020B0503020204020204" pitchFamily="34" charset="-122"/>
-                <a:sym typeface="+mn-ea"/>
-              </a:rPr>
-              <a:t>- HTMLImag</a:t>
+              <a:rPr lang="en-US" altLang="zh-CN" sz="2000">
+                <a:solidFill>
+                  <a:schemeClr val="tx1"/>
+                </a:solidFill>
+                <a:sym typeface="+mn-ea"/>
+              </a:rPr>
+              <a:t>- width</a:t>
+            </a:r>
+            <a:r>
+              <a:rPr lang="zh-CN" altLang="en-US" sz="2000">
+                <a:solidFill>
+                  <a:schemeClr val="tx1"/>
+                </a:solidFill>
+                <a:sym typeface="+mn-ea"/>
+              </a:rPr>
+              <a:t>（无符号长整型（unsigned long），使用像素描述 ImageData 的实际宽度）</a:t>
             </a:r>
             <a:br>
-              <a:rPr lang="en-US" altLang="zh-CN" sz="2000" noProof="1">
-                <a:solidFill>
-                  <a:srgbClr val="FF0000"/>
-                </a:solidFill>
-                <a:latin typeface="微软雅黑" panose="020B0503020204020204" pitchFamily="34" charset="-122"/>
-                <a:ea typeface="微软雅黑" panose="020B0503020204020204" pitchFamily="34" charset="-122"/>
+              <a:rPr lang="zh-CN" altLang="en-US" sz="2000">
+                <a:solidFill>
+                  <a:schemeClr val="tx1"/>
+                </a:solidFill>
                 <a:sym typeface="+mn-ea"/>
               </a:rPr>
             </a:br>
             <a:r>
-              <a:rPr lang="en-US" altLang="zh-CN" sz="2000" noProof="1">
-                <a:solidFill>
-                  <a:srgbClr val="FF0000"/>
-                </a:solidFill>
-                <a:latin typeface="微软雅黑" panose="020B0503020204020204" pitchFamily="34" charset="-122"/>
-                <a:ea typeface="微软雅黑" panose="020B0503020204020204" pitchFamily="34" charset="-122"/>
-                <a:sym typeface="+mn-ea"/>
-              </a:rPr>
-              <a:t>- HTMLCanvas</a:t>
-            </a:r>
-            <a:br>
-              <a:rPr lang="en-US" altLang="zh-CN" sz="2000" noProof="1">
-                <a:solidFill>
-                  <a:srgbClr val="FF0000"/>
-                </a:solidFill>
-                <a:latin typeface="微软雅黑" panose="020B0503020204020204" pitchFamily="34" charset="-122"/>
-                <a:ea typeface="微软雅黑" panose="020B0503020204020204" pitchFamily="34" charset="-122"/>
-                <a:sym typeface="+mn-ea"/>
-              </a:rPr>
-            </a:br>
-            <a:r>
-              <a:rPr lang="en-US" altLang="zh-CN" sz="2000" noProof="1">
-                <a:solidFill>
-                  <a:srgbClr val="FF0000"/>
-                </a:solidFill>
-                <a:latin typeface="微软雅黑" panose="020B0503020204020204" pitchFamily="34" charset="-122"/>
-                <a:ea typeface="微软雅黑" panose="020B0503020204020204" pitchFamily="34" charset="-122"/>
-                <a:sym typeface="+mn-ea"/>
-              </a:rPr>
-              <a:t>- HTMLVide</a:t>
-            </a:r>
-            <a:endParaRPr lang="en-US" altLang="zh-CN" sz="2000" noProof="1">
+              <a:rPr lang="en-US" altLang="zh-CN" sz="2000">
+                <a:solidFill>
+                  <a:schemeClr val="tx1"/>
+                </a:solidFill>
+                <a:sym typeface="+mn-ea"/>
+              </a:rPr>
+              <a:t>- height</a:t>
+            </a:r>
+            <a:r>
+              <a:rPr lang="zh-CN" altLang="en-US" sz="2000">
+                <a:solidFill>
+                  <a:schemeClr val="tx1"/>
+                </a:solidFill>
+                <a:sym typeface="+mn-ea"/>
+              </a:rPr>
+              <a:t>（无符号长整型（unsigned long），使用像素描述 ImageData 的实际高度）</a:t>
+            </a:r>
+            <a:endParaRPr lang="zh-CN" altLang="en-US" sz="2000" noProof="1">
               <a:solidFill>
-                <a:srgbClr val="FF0000"/>
+                <a:schemeClr val="tx1"/>
               </a:solidFill>
               <a:latin typeface="微软雅黑" panose="020B0503020204020204" pitchFamily="34" charset="-122"/>
               <a:ea typeface="微软雅黑" panose="020B0503020204020204" pitchFamily="34" charset="-122"/>
@@ -4872,58 +5847,6 @@
               </a:solidFill>
               <a:latin typeface="微软雅黑" panose="020B0503020204020204" pitchFamily="34" charset="-122"/>
               <a:ea typeface="微软雅黑" panose="020B0503020204020204" pitchFamily="34" charset="-122"/>
-            </a:endParaRPr>
-          </a:p>
-        </p:txBody>
-      </p:sp>
-      <p:sp>
-        <p:nvSpPr>
-          <p:cNvPr id="5" name="文本框 4"/>
-          <p:cNvSpPr txBox="1"/>
-          <p:nvPr/>
-        </p:nvSpPr>
-        <p:spPr>
-          <a:xfrm>
-            <a:off x="6143625" y="6075045"/>
-            <a:ext cx="4224020" cy="429895"/>
-          </a:xfrm>
-          <a:prstGeom prst="rect">
-            <a:avLst/>
-          </a:prstGeom>
-          <a:noFill/>
-        </p:spPr>
-        <p:txBody>
-          <a:bodyPr wrap="square" rtlCol="0">
-            <a:spAutoFit/>
-          </a:bodyPr>
-          <a:p>
-            <a:pPr algn="l"/>
-            <a:r>
-              <a:rPr lang="zh-CN" sz="2200">
-                <a:solidFill>
-                  <a:srgbClr val="FF0000"/>
-                </a:solidFill>
-                <a:latin typeface="+mn-ea"/>
-                <a:ea typeface="+mn-ea"/>
-              </a:rPr>
-              <a:t>参见实例：</a:t>
-            </a:r>
-            <a:r>
-              <a:rPr lang="en-US" altLang="zh-CN" sz="2200">
-                <a:solidFill>
-                  <a:srgbClr val="FF0000"/>
-                </a:solidFill>
-                <a:latin typeface="+mn-ea"/>
-                <a:ea typeface="+mn-ea"/>
-              </a:rPr>
-              <a:t>.html</a:t>
-            </a:r>
-            <a:endParaRPr lang="en-US" altLang="zh-CN" sz="2200">
-              <a:solidFill>
-                <a:srgbClr val="FF0000"/>
-              </a:solidFill>
-              <a:latin typeface="+mn-ea"/>
-              <a:ea typeface="+mn-ea"/>
             </a:endParaRPr>
           </a:p>
         </p:txBody>
@@ -4964,153 +5887,6 @@
   <p:clrMapOvr>
     <a:masterClrMapping/>
   </p:clrMapOvr>
-</p:sld>
-</file>
-
-<file path=ppt/slides/slide9.xml><?xml version="1.0" encoding="utf-8"?>
-<p:sld xmlns:a="http://schemas.openxmlformats.org/drawingml/2006/main" xmlns:r="http://schemas.openxmlformats.org/officeDocument/2006/relationships" xmlns:p="http://schemas.openxmlformats.org/presentationml/2006/main">
-  <p:cSld>
-    <p:spTree>
-      <p:nvGrpSpPr>
-        <p:cNvPr id="1" name=""/>
-        <p:cNvGrpSpPr/>
-        <p:nvPr/>
-      </p:nvGrpSpPr>
-      <p:grpSpPr>
-        <a:xfrm>
-          <a:off x="0" y="0"/>
-          <a:ext cx="0" cy="0"/>
-          <a:chOff x="0" y="0"/>
-          <a:chExt cx="0" cy="0"/>
-        </a:xfrm>
-      </p:grpSpPr>
-      <p:pic>
-        <p:nvPicPr>
-          <p:cNvPr id="11266" name="Picture 5"/>
-          <p:cNvPicPr>
-            <a:picLocks noChangeAspect="1" noChangeArrowheads="1"/>
-          </p:cNvPicPr>
-          <p:nvPr/>
-        </p:nvPicPr>
-        <p:blipFill>
-          <a:blip r:embed="rId1" cstate="print">
-            <a:extLst>
-              <a:ext uri="{28A0092B-C50C-407E-A947-70E740481C1C}">
-                <a14:useLocalDpi xmlns:a14="http://schemas.microsoft.com/office/drawing/2010/main" val="0"/>
-              </a:ext>
-            </a:extLst>
-          </a:blip>
-          <a:srcRect/>
-          <a:stretch>
-            <a:fillRect/>
-          </a:stretch>
-        </p:blipFill>
-        <p:spPr bwMode="auto">
-          <a:xfrm>
-            <a:off x="0" y="0"/>
-            <a:ext cx="12192000" cy="6858000"/>
-          </a:xfrm>
-          <a:prstGeom prst="rect">
-            <a:avLst/>
-          </a:prstGeom>
-          <a:noFill/>
-          <a:ln>
-            <a:noFill/>
-          </a:ln>
-        </p:spPr>
-      </p:pic>
-      <p:sp>
-        <p:nvSpPr>
-          <p:cNvPr id="11267" name="Rectangle 6"/>
-          <p:cNvSpPr>
-            <a:spLocks noGrp="1" noChangeArrowheads="1"/>
-          </p:cNvSpPr>
-          <p:nvPr>
-            <p:ph type="ctrTitle" idx="4294967295"/>
-          </p:nvPr>
-        </p:nvSpPr>
-        <p:spPr bwMode="auto">
-          <a:xfrm>
-            <a:off x="2095501" y="3143251"/>
-            <a:ext cx="7362825" cy="1285875"/>
-          </a:xfrm>
-          <a:prstGeom prst="rect">
-            <a:avLst/>
-          </a:prstGeom>
-          <a:noFill/>
-        </p:spPr>
-        <p:txBody>
-          <a:bodyPr anchor="b"/>
-          <a:lstStyle/>
-          <a:p>
-            <a:pPr algn="ctr" eaLnBrk="1" hangingPunct="1"/>
-            <a:r>
-              <a:rPr lang="en-US" altLang="zh-CN" sz="5400"/>
-              <a:t>Thank</a:t>
-            </a:r>
-            <a:r>
-              <a:rPr lang="en-US" altLang="zh-CN" sz="5400">
-                <a:solidFill>
-                  <a:schemeClr val="accent3"/>
-                </a:solidFill>
-              </a:rPr>
-              <a:t> You</a:t>
-            </a:r>
-            <a:r>
-              <a:rPr lang="zh-CN" altLang="en-US" sz="5400"/>
-              <a:t>！</a:t>
-            </a:r>
-            <a:endParaRPr lang="zh-CN" altLang="zh-CN" sz="5400"/>
-          </a:p>
-        </p:txBody>
-      </p:sp>
-      <p:pic>
-        <p:nvPicPr>
-          <p:cNvPr id="11268" name="图片 3" descr="软院logo横版.png"/>
-          <p:cNvPicPr>
-            <a:picLocks noChangeAspect="1"/>
-          </p:cNvPicPr>
-          <p:nvPr/>
-        </p:nvPicPr>
-        <p:blipFill>
-          <a:blip r:embed="rId2" cstate="print">
-            <a:extLst>
-              <a:ext uri="{28A0092B-C50C-407E-A947-70E740481C1C}">
-                <a14:useLocalDpi xmlns:a14="http://schemas.microsoft.com/office/drawing/2010/main" val="0"/>
-              </a:ext>
-            </a:extLst>
-          </a:blip>
-          <a:srcRect/>
-          <a:stretch>
-            <a:fillRect/>
-          </a:stretch>
-        </p:blipFill>
-        <p:spPr bwMode="auto">
-          <a:xfrm>
-            <a:off x="2062164" y="5927725"/>
-            <a:ext cx="3381375" cy="527050"/>
-          </a:xfrm>
-          <a:prstGeom prst="rect">
-            <a:avLst/>
-          </a:prstGeom>
-          <a:noFill/>
-          <a:ln>
-            <a:noFill/>
-          </a:ln>
-        </p:spPr>
-      </p:pic>
-    </p:spTree>
-  </p:cSld>
-  <p:clrMapOvr>
-    <a:masterClrMapping/>
-  </p:clrMapOvr>
-  <p:timing>
-    <p:tnLst>
-      <p:par>
-        <p:cTn id="1" dur="indefinite" restart="never" nodeType="tmRoot"/>
-      </p:par>
-    </p:tnLst>
-  </p:timing>
 </p:sld>
 </file>
 
